--- a/Projet_Rendu.pptx
+++ b/Projet_Rendu.pptx
@@ -5,23 +5,24 @@
     <p:sldMasterId id="2147483648" r:id="rId1"/>
   </p:sldMasterIdLst>
   <p:notesMasterIdLst>
-    <p:notesMasterId r:id="rId16"/>
+    <p:notesMasterId r:id="rId17"/>
   </p:notesMasterIdLst>
   <p:sldIdLst>
     <p:sldId id="270" r:id="rId2"/>
-    <p:sldId id="263" r:id="rId3"/>
-    <p:sldId id="256" r:id="rId4"/>
-    <p:sldId id="257" r:id="rId5"/>
-    <p:sldId id="258" r:id="rId6"/>
-    <p:sldId id="259" r:id="rId7"/>
-    <p:sldId id="260" r:id="rId8"/>
-    <p:sldId id="261" r:id="rId9"/>
-    <p:sldId id="262" r:id="rId10"/>
-    <p:sldId id="264" r:id="rId11"/>
-    <p:sldId id="266" r:id="rId12"/>
-    <p:sldId id="267" r:id="rId13"/>
-    <p:sldId id="268" r:id="rId14"/>
-    <p:sldId id="269" r:id="rId15"/>
+    <p:sldId id="271" r:id="rId3"/>
+    <p:sldId id="263" r:id="rId4"/>
+    <p:sldId id="256" r:id="rId5"/>
+    <p:sldId id="257" r:id="rId6"/>
+    <p:sldId id="258" r:id="rId7"/>
+    <p:sldId id="259" r:id="rId8"/>
+    <p:sldId id="260" r:id="rId9"/>
+    <p:sldId id="261" r:id="rId10"/>
+    <p:sldId id="262" r:id="rId11"/>
+    <p:sldId id="264" r:id="rId12"/>
+    <p:sldId id="266" r:id="rId13"/>
+    <p:sldId id="267" r:id="rId14"/>
+    <p:sldId id="268" r:id="rId15"/>
+    <p:sldId id="269" r:id="rId16"/>
   </p:sldIdLst>
   <p:sldSz cx="9144000" cy="6858000" type="screen4x3"/>
   <p:notesSz cx="6858000" cy="9144000"/>
@@ -542,7 +543,7 @@
           <a:p>
             <a:fld id="{CEFF10A2-4935-6942-8765-6FD66C09605C}" type="slidenum">
               <a:rPr lang="fr-FR" smtClean="0"/>
-              <a:t>2</a:t>
+              <a:t>3</a:t>
             </a:fld>
             <a:endParaRPr lang="fr-FR"/>
           </a:p>
@@ -630,7 +631,7 @@
           <a:p>
             <a:fld id="{CEFF10A2-4935-6942-8765-6FD66C09605C}" type="slidenum">
               <a:rPr lang="fr-FR" smtClean="0"/>
-              <a:t>4</a:t>
+              <a:t>5</a:t>
             </a:fld>
             <a:endParaRPr lang="fr-FR"/>
           </a:p>
@@ -718,7 +719,7 @@
           <a:p>
             <a:fld id="{CEFF10A2-4935-6942-8765-6FD66C09605C}" type="slidenum">
               <a:rPr lang="fr-FR" smtClean="0"/>
-              <a:t>5</a:t>
+              <a:t>6</a:t>
             </a:fld>
             <a:endParaRPr lang="fr-FR"/>
           </a:p>
@@ -806,7 +807,7 @@
           <a:p>
             <a:fld id="{CEFF10A2-4935-6942-8765-6FD66C09605C}" type="slidenum">
               <a:rPr lang="fr-FR" smtClean="0"/>
-              <a:t>6</a:t>
+              <a:t>7</a:t>
             </a:fld>
             <a:endParaRPr lang="fr-FR"/>
           </a:p>
@@ -894,7 +895,7 @@
           <a:p>
             <a:fld id="{CEFF10A2-4935-6942-8765-6FD66C09605C}" type="slidenum">
               <a:rPr lang="fr-FR" smtClean="0"/>
-              <a:t>7</a:t>
+              <a:t>8</a:t>
             </a:fld>
             <a:endParaRPr lang="fr-FR"/>
           </a:p>
@@ -982,7 +983,7 @@
           <a:p>
             <a:fld id="{CEFF10A2-4935-6942-8765-6FD66C09605C}" type="slidenum">
               <a:rPr lang="fr-FR" smtClean="0"/>
-              <a:t>8</a:t>
+              <a:t>9</a:t>
             </a:fld>
             <a:endParaRPr lang="fr-FR"/>
           </a:p>
@@ -1070,7 +1071,7 @@
           <a:p>
             <a:fld id="{CEFF10A2-4935-6942-8765-6FD66C09605C}" type="slidenum">
               <a:rPr lang="fr-FR" smtClean="0"/>
-              <a:t>9</a:t>
+              <a:t>10</a:t>
             </a:fld>
             <a:endParaRPr lang="fr-FR"/>
           </a:p>
@@ -4393,6 +4394,30 @@
           </a:p>
         </p:txBody>
       </p:sp>
+      <p:pic>
+        <p:nvPicPr>
+          <p:cNvPr id="6" name="Image 5"/>
+          <p:cNvPicPr>
+            <a:picLocks noChangeAspect="1"/>
+          </p:cNvPicPr>
+          <p:nvPr/>
+        </p:nvPicPr>
+        <p:blipFill>
+          <a:blip r:embed="rId2"/>
+          <a:stretch>
+            <a:fillRect/>
+          </a:stretch>
+        </p:blipFill>
+        <p:spPr>
+          <a:xfrm>
+            <a:off x="3128210" y="3280256"/>
+            <a:ext cx="3578865" cy="2548375"/>
+          </a:xfrm>
+          <a:prstGeom prst="rect">
+            <a:avLst/>
+          </a:prstGeom>
+        </p:spPr>
+      </p:pic>
     </p:spTree>
     <p:extLst>
       <p:ext uri="{BB962C8B-B14F-4D97-AF65-F5344CB8AC3E}">
@@ -4407,6 +4432,60 @@
 </file>
 
 <file path=ppt/slides/slide10.xml><?xml version="1.0" encoding="utf-8"?>
+<p:sld xmlns:a="http://schemas.openxmlformats.org/drawingml/2006/main" xmlns:r="http://schemas.openxmlformats.org/officeDocument/2006/relationships" xmlns:p="http://schemas.openxmlformats.org/presentationml/2006/main">
+  <p:cSld>
+    <p:spTree>
+      <p:nvGrpSpPr>
+        <p:cNvPr id="1" name=""/>
+        <p:cNvGrpSpPr/>
+        <p:nvPr/>
+      </p:nvGrpSpPr>
+      <p:grpSpPr>
+        <a:xfrm>
+          <a:off x="0" y="0"/>
+          <a:ext cx="0" cy="0"/>
+          <a:chOff x="0" y="0"/>
+          <a:chExt cx="0" cy="0"/>
+        </a:xfrm>
+      </p:grpSpPr>
+      <p:pic>
+        <p:nvPicPr>
+          <p:cNvPr id="5" name="Image 4"/>
+          <p:cNvPicPr>
+            <a:picLocks noChangeAspect="1"/>
+          </p:cNvPicPr>
+          <p:nvPr/>
+        </p:nvPicPr>
+        <p:blipFill>
+          <a:blip r:embed="rId3"/>
+          <a:stretch>
+            <a:fillRect/>
+          </a:stretch>
+        </p:blipFill>
+        <p:spPr>
+          <a:xfrm>
+            <a:off x="0" y="355600"/>
+            <a:ext cx="9144000" cy="6130636"/>
+          </a:xfrm>
+          <a:prstGeom prst="rect">
+            <a:avLst/>
+          </a:prstGeom>
+        </p:spPr>
+      </p:pic>
+    </p:spTree>
+    <p:extLst>
+      <p:ext uri="{BB962C8B-B14F-4D97-AF65-F5344CB8AC3E}">
+        <p14:creationId xmlns:p14="http://schemas.microsoft.com/office/powerpoint/2010/main" val="1350776491"/>
+      </p:ext>
+    </p:extLst>
+  </p:cSld>
+  <p:clrMapOvr>
+    <a:masterClrMapping/>
+  </p:clrMapOvr>
+</p:sld>
+</file>
+
+<file path=ppt/slides/slide11.xml><?xml version="1.0" encoding="utf-8"?>
 <p:sld xmlns:a="http://schemas.openxmlformats.org/drawingml/2006/main" xmlns:r="http://schemas.openxmlformats.org/officeDocument/2006/relationships" xmlns:p="http://schemas.openxmlformats.org/presentationml/2006/main">
   <p:cSld>
     <p:spTree>
@@ -4471,6 +4550,66 @@
           </a:prstGeom>
         </p:spPr>
       </p:pic>
+      <p:sp>
+        <p:nvSpPr>
+          <p:cNvPr id="6" name="ZoneTexte 5"/>
+          <p:cNvSpPr txBox="1"/>
+          <p:nvPr/>
+        </p:nvSpPr>
+        <p:spPr>
+          <a:xfrm>
+            <a:off x="748631" y="419405"/>
+            <a:ext cx="2299368" cy="369332"/>
+          </a:xfrm>
+          <a:prstGeom prst="rect">
+            <a:avLst/>
+          </a:prstGeom>
+          <a:noFill/>
+        </p:spPr>
+        <p:txBody>
+          <a:bodyPr wrap="square" rtlCol="0">
+            <a:spAutoFit/>
+          </a:bodyPr>
+          <a:lstStyle/>
+          <a:p>
+            <a:r>
+              <a:rPr lang="fr-FR" dirty="0" smtClean="0"/>
+              <a:t>Etat/Transition : Avis</a:t>
+            </a:r>
+            <a:endParaRPr lang="fr-FR" dirty="0"/>
+          </a:p>
+        </p:txBody>
+      </p:sp>
+      <p:sp>
+        <p:nvSpPr>
+          <p:cNvPr id="7" name="ZoneTexte 6"/>
+          <p:cNvSpPr txBox="1"/>
+          <p:nvPr/>
+        </p:nvSpPr>
+        <p:spPr>
+          <a:xfrm>
+            <a:off x="5178910" y="419405"/>
+            <a:ext cx="2299368" cy="369332"/>
+          </a:xfrm>
+          <a:prstGeom prst="rect">
+            <a:avLst/>
+          </a:prstGeom>
+          <a:noFill/>
+        </p:spPr>
+        <p:txBody>
+          <a:bodyPr wrap="square" rtlCol="0">
+            <a:spAutoFit/>
+          </a:bodyPr>
+          <a:lstStyle/>
+          <a:p>
+            <a:r>
+              <a:rPr lang="fr-FR" dirty="0" smtClean="0"/>
+              <a:t>Etat/Transition : Offre</a:t>
+            </a:r>
+            <a:endParaRPr lang="fr-FR" dirty="0"/>
+          </a:p>
+        </p:txBody>
+      </p:sp>
     </p:spTree>
     <p:extLst>
       <p:ext uri="{BB962C8B-B14F-4D97-AF65-F5344CB8AC3E}">
@@ -4484,7 +4623,7 @@
 </p:sld>
 </file>
 
-<file path=ppt/slides/slide11.xml><?xml version="1.0" encoding="utf-8"?>
+<file path=ppt/slides/slide12.xml><?xml version="1.0" encoding="utf-8"?>
 <p:sld xmlns:a="http://schemas.openxmlformats.org/drawingml/2006/main" xmlns:r="http://schemas.openxmlformats.org/officeDocument/2006/relationships" xmlns:p="http://schemas.openxmlformats.org/presentationml/2006/main">
   <p:cSld>
     <p:spTree>
@@ -4517,7 +4656,7 @@
         </p:blipFill>
         <p:spPr>
           <a:xfrm>
-            <a:off x="1905000" y="1778000"/>
+            <a:off x="2145631" y="1323468"/>
             <a:ext cx="5334000" cy="3302000"/>
           </a:xfrm>
           <a:prstGeom prst="rect">
@@ -4525,6 +4664,36 @@
           </a:prstGeom>
         </p:spPr>
       </p:pic>
+      <p:sp>
+        <p:nvSpPr>
+          <p:cNvPr id="5" name="ZoneTexte 4"/>
+          <p:cNvSpPr txBox="1"/>
+          <p:nvPr/>
+        </p:nvSpPr>
+        <p:spPr>
+          <a:xfrm>
+            <a:off x="748631" y="673397"/>
+            <a:ext cx="3462422" cy="369332"/>
+          </a:xfrm>
+          <a:prstGeom prst="rect">
+            <a:avLst/>
+          </a:prstGeom>
+          <a:noFill/>
+        </p:spPr>
+        <p:txBody>
+          <a:bodyPr wrap="square" rtlCol="0">
+            <a:spAutoFit/>
+          </a:bodyPr>
+          <a:lstStyle/>
+          <a:p>
+            <a:r>
+              <a:rPr lang="fr-FR" dirty="0" smtClean="0"/>
+              <a:t>Etat/Transition : Réservation</a:t>
+            </a:r>
+            <a:endParaRPr lang="fr-FR" dirty="0"/>
+          </a:p>
+        </p:txBody>
+      </p:sp>
     </p:spTree>
     <p:extLst>
       <p:ext uri="{BB962C8B-B14F-4D97-AF65-F5344CB8AC3E}">
@@ -4538,7 +4707,7 @@
 </p:sld>
 </file>
 
-<file path=ppt/slides/slide12.xml><?xml version="1.0" encoding="utf-8"?>
+<file path=ppt/slides/slide13.xml><?xml version="1.0" encoding="utf-8"?>
 <p:sld xmlns:a="http://schemas.openxmlformats.org/drawingml/2006/main" xmlns:r="http://schemas.openxmlformats.org/officeDocument/2006/relationships" xmlns:p="http://schemas.openxmlformats.org/presentationml/2006/main">
   <p:cSld>
     <p:spTree>
@@ -4592,7 +4761,7 @@
 </p:sld>
 </file>
 
-<file path=ppt/slides/slide13.xml><?xml version="1.0" encoding="utf-8"?>
+<file path=ppt/slides/slide14.xml><?xml version="1.0" encoding="utf-8"?>
 <p:sld xmlns:a="http://schemas.openxmlformats.org/drawingml/2006/main" xmlns:r="http://schemas.openxmlformats.org/officeDocument/2006/relationships" xmlns:p="http://schemas.openxmlformats.org/presentationml/2006/main">
   <p:cSld>
     <p:spTree>
@@ -4646,7 +4815,7 @@
 </p:sld>
 </file>
 
-<file path=ppt/slides/slide14.xml><?xml version="1.0" encoding="utf-8"?>
+<file path=ppt/slides/slide15.xml><?xml version="1.0" encoding="utf-8"?>
 <p:sld xmlns:a="http://schemas.openxmlformats.org/drawingml/2006/main" xmlns:r="http://schemas.openxmlformats.org/officeDocument/2006/relationships" xmlns:p="http://schemas.openxmlformats.org/presentationml/2006/main">
   <p:cSld>
     <p:spTree>
@@ -4824,6 +4993,296 @@
 </file>
 
 <file path=ppt/slides/slide2.xml><?xml version="1.0" encoding="utf-8"?>
+<p:sld xmlns:a="http://schemas.openxmlformats.org/drawingml/2006/main" xmlns:r="http://schemas.openxmlformats.org/officeDocument/2006/relationships" xmlns:p="http://schemas.openxmlformats.org/presentationml/2006/main">
+  <p:cSld>
+    <p:spTree>
+      <p:nvGrpSpPr>
+        <p:cNvPr id="1" name=""/>
+        <p:cNvGrpSpPr/>
+        <p:nvPr/>
+      </p:nvGrpSpPr>
+      <p:grpSpPr>
+        <a:xfrm>
+          <a:off x="0" y="0"/>
+          <a:ext cx="0" cy="0"/>
+          <a:chOff x="0" y="0"/>
+          <a:chExt cx="0" cy="0"/>
+        </a:xfrm>
+      </p:grpSpPr>
+      <p:pic>
+        <p:nvPicPr>
+          <p:cNvPr id="4" name="Image 3"/>
+          <p:cNvPicPr>
+            <a:picLocks noChangeAspect="1"/>
+          </p:cNvPicPr>
+          <p:nvPr/>
+        </p:nvPicPr>
+        <p:blipFill>
+          <a:blip r:embed="rId2"/>
+          <a:stretch>
+            <a:fillRect/>
+          </a:stretch>
+        </p:blipFill>
+        <p:spPr>
+          <a:xfrm>
+            <a:off x="0" y="788712"/>
+            <a:ext cx="4585368" cy="2039814"/>
+          </a:xfrm>
+          <a:prstGeom prst="rect">
+            <a:avLst/>
+          </a:prstGeom>
+        </p:spPr>
+      </p:pic>
+      <p:pic>
+        <p:nvPicPr>
+          <p:cNvPr id="5" name="Image 4"/>
+          <p:cNvPicPr>
+            <a:picLocks noChangeAspect="1"/>
+          </p:cNvPicPr>
+          <p:nvPr/>
+        </p:nvPicPr>
+        <p:blipFill>
+          <a:blip r:embed="rId3"/>
+          <a:stretch>
+            <a:fillRect/>
+          </a:stretch>
+        </p:blipFill>
+        <p:spPr>
+          <a:xfrm>
+            <a:off x="4585368" y="783198"/>
+            <a:ext cx="4585368" cy="2031960"/>
+          </a:xfrm>
+          <a:prstGeom prst="rect">
+            <a:avLst/>
+          </a:prstGeom>
+        </p:spPr>
+      </p:pic>
+      <p:pic>
+        <p:nvPicPr>
+          <p:cNvPr id="6" name="Image 5"/>
+          <p:cNvPicPr>
+            <a:picLocks noChangeAspect="1"/>
+          </p:cNvPicPr>
+          <p:nvPr/>
+        </p:nvPicPr>
+        <p:blipFill>
+          <a:blip r:embed="rId4"/>
+          <a:stretch>
+            <a:fillRect/>
+          </a:stretch>
+        </p:blipFill>
+        <p:spPr>
+          <a:xfrm>
+            <a:off x="5799" y="2815158"/>
+            <a:ext cx="4592937" cy="2038684"/>
+          </a:xfrm>
+          <a:prstGeom prst="rect">
+            <a:avLst/>
+          </a:prstGeom>
+        </p:spPr>
+      </p:pic>
+      <p:pic>
+        <p:nvPicPr>
+          <p:cNvPr id="8" name="Image 7"/>
+          <p:cNvPicPr>
+            <a:picLocks noChangeAspect="1"/>
+          </p:cNvPicPr>
+          <p:nvPr/>
+        </p:nvPicPr>
+        <p:blipFill>
+          <a:blip r:embed="rId5"/>
+          <a:stretch>
+            <a:fillRect/>
+          </a:stretch>
+        </p:blipFill>
+        <p:spPr>
+          <a:xfrm>
+            <a:off x="4603715" y="2815158"/>
+            <a:ext cx="4567021" cy="2025316"/>
+          </a:xfrm>
+          <a:prstGeom prst="rect">
+            <a:avLst/>
+          </a:prstGeom>
+        </p:spPr>
+      </p:pic>
+      <p:pic>
+        <p:nvPicPr>
+          <p:cNvPr id="9" name="Image 8"/>
+          <p:cNvPicPr>
+            <a:picLocks noChangeAspect="1"/>
+          </p:cNvPicPr>
+          <p:nvPr/>
+        </p:nvPicPr>
+        <p:blipFill>
+          <a:blip r:embed="rId6"/>
+          <a:stretch>
+            <a:fillRect/>
+          </a:stretch>
+        </p:blipFill>
+        <p:spPr>
+          <a:xfrm>
+            <a:off x="5799" y="4853842"/>
+            <a:ext cx="4602361" cy="2025984"/>
+          </a:xfrm>
+          <a:prstGeom prst="rect">
+            <a:avLst/>
+          </a:prstGeom>
+        </p:spPr>
+      </p:pic>
+      <p:pic>
+        <p:nvPicPr>
+          <p:cNvPr id="10" name="Image 9"/>
+          <p:cNvPicPr>
+            <a:picLocks noChangeAspect="1"/>
+          </p:cNvPicPr>
+          <p:nvPr/>
+        </p:nvPicPr>
+        <p:blipFill>
+          <a:blip r:embed="rId7"/>
+          <a:stretch>
+            <a:fillRect/>
+          </a:stretch>
+        </p:blipFill>
+        <p:spPr>
+          <a:xfrm>
+            <a:off x="4598736" y="4837773"/>
+            <a:ext cx="4585368" cy="2042053"/>
+          </a:xfrm>
+          <a:prstGeom prst="rect">
+            <a:avLst/>
+          </a:prstGeom>
+        </p:spPr>
+      </p:pic>
+      <p:pic>
+        <p:nvPicPr>
+          <p:cNvPr id="11" name="Image 10"/>
+          <p:cNvPicPr>
+            <a:picLocks noChangeAspect="1"/>
+          </p:cNvPicPr>
+          <p:nvPr/>
+        </p:nvPicPr>
+        <p:blipFill>
+          <a:blip r:embed="rId8"/>
+          <a:stretch>
+            <a:fillRect/>
+          </a:stretch>
+        </p:blipFill>
+        <p:spPr>
+          <a:xfrm>
+            <a:off x="0" y="0"/>
+            <a:ext cx="9144000" cy="598394"/>
+          </a:xfrm>
+          <a:prstGeom prst="rect">
+            <a:avLst/>
+          </a:prstGeom>
+        </p:spPr>
+      </p:pic>
+      <p:sp>
+        <p:nvSpPr>
+          <p:cNvPr id="12" name="Rectangle 11"/>
+          <p:cNvSpPr/>
+          <p:nvPr/>
+        </p:nvSpPr>
+        <p:spPr>
+          <a:xfrm>
+            <a:off x="106947" y="651866"/>
+            <a:ext cx="8916737" cy="45719"/>
+          </a:xfrm>
+          <a:prstGeom prst="rect">
+            <a:avLst/>
+          </a:prstGeom>
+          <a:solidFill>
+            <a:schemeClr val="tx1"/>
+          </a:solidFill>
+          <a:ln>
+            <a:solidFill>
+              <a:schemeClr val="tx1"/>
+            </a:solidFill>
+          </a:ln>
+        </p:spPr>
+        <p:style>
+          <a:lnRef idx="1">
+            <a:schemeClr val="accent1"/>
+          </a:lnRef>
+          <a:fillRef idx="3">
+            <a:schemeClr val="accent1"/>
+          </a:fillRef>
+          <a:effectRef idx="2">
+            <a:schemeClr val="accent1"/>
+          </a:effectRef>
+          <a:fontRef idx="minor">
+            <a:schemeClr val="lt1"/>
+          </a:fontRef>
+        </p:style>
+        <p:txBody>
+          <a:bodyPr rtlCol="0" anchor="ctr"/>
+          <a:lstStyle/>
+          <a:p>
+            <a:pPr algn="ctr"/>
+            <a:endParaRPr lang="fr-FR"/>
+          </a:p>
+        </p:txBody>
+      </p:sp>
+      <p:sp>
+        <p:nvSpPr>
+          <p:cNvPr id="13" name="ZoneTexte 12"/>
+          <p:cNvSpPr txBox="1"/>
+          <p:nvPr/>
+        </p:nvSpPr>
+        <p:spPr>
+          <a:xfrm>
+            <a:off x="106947" y="6435195"/>
+            <a:ext cx="4478421" cy="369332"/>
+          </a:xfrm>
+          <a:prstGeom prst="rect">
+            <a:avLst/>
+          </a:prstGeom>
+          <a:noFill/>
+        </p:spPr>
+        <p:txBody>
+          <a:bodyPr wrap="square" rtlCol="0">
+            <a:spAutoFit/>
+          </a:bodyPr>
+          <a:lstStyle/>
+          <a:p>
+            <a:r>
+              <a:rPr lang="fr-FR" u="sng" dirty="0" smtClean="0">
+                <a:solidFill>
+                  <a:schemeClr val="bg1"/>
+                </a:solidFill>
+              </a:rPr>
+              <a:t>Imprimes écran de notre activité sur </a:t>
+            </a:r>
+            <a:r>
+              <a:rPr lang="fr-FR" u="sng" dirty="0" err="1" smtClean="0">
+                <a:solidFill>
+                  <a:schemeClr val="bg1"/>
+                </a:solidFill>
+              </a:rPr>
+              <a:t>Trello</a:t>
+            </a:r>
+            <a:endParaRPr lang="fr-FR" u="sng" dirty="0">
+              <a:solidFill>
+                <a:schemeClr val="bg1"/>
+              </a:solidFill>
+            </a:endParaRPr>
+          </a:p>
+        </p:txBody>
+      </p:sp>
+    </p:spTree>
+    <p:extLst>
+      <p:ext uri="{BB962C8B-B14F-4D97-AF65-F5344CB8AC3E}">
+        <p14:creationId xmlns:p14="http://schemas.microsoft.com/office/powerpoint/2010/main" val="2863794209"/>
+      </p:ext>
+    </p:extLst>
+  </p:cSld>
+  <p:clrMapOvr>
+    <a:masterClrMapping/>
+  </p:clrMapOvr>
+</p:sld>
+</file>
+
+<file path=ppt/slides/slide3.xml><?xml version="1.0" encoding="utf-8"?>
 <p:sld xmlns:a="http://schemas.openxmlformats.org/drawingml/2006/main" xmlns:r="http://schemas.openxmlformats.org/officeDocument/2006/relationships" xmlns:p="http://schemas.openxmlformats.org/presentationml/2006/main">
   <p:cSld>
     <p:spTree>
@@ -4864,6 +5323,36 @@
           </a:prstGeom>
         </p:spPr>
       </p:pic>
+      <p:sp>
+        <p:nvSpPr>
+          <p:cNvPr id="5" name="ZoneTexte 4"/>
+          <p:cNvSpPr txBox="1"/>
+          <p:nvPr/>
+        </p:nvSpPr>
+        <p:spPr>
+          <a:xfrm>
+            <a:off x="3930316" y="6453201"/>
+            <a:ext cx="2299368" cy="369332"/>
+          </a:xfrm>
+          <a:prstGeom prst="rect">
+            <a:avLst/>
+          </a:prstGeom>
+          <a:noFill/>
+        </p:spPr>
+        <p:txBody>
+          <a:bodyPr wrap="square" rtlCol="0">
+            <a:spAutoFit/>
+          </a:bodyPr>
+          <a:lstStyle/>
+          <a:p>
+            <a:r>
+              <a:rPr lang="fr-FR" dirty="0" smtClean="0"/>
+              <a:t>Cas d’utilisation</a:t>
+            </a:r>
+            <a:endParaRPr lang="fr-FR" dirty="0"/>
+          </a:p>
+        </p:txBody>
+      </p:sp>
     </p:spTree>
     <p:extLst>
       <p:ext uri="{BB962C8B-B14F-4D97-AF65-F5344CB8AC3E}">
@@ -4877,7 +5366,7 @@
 </p:sld>
 </file>
 
-<file path=ppt/slides/slide3.xml><?xml version="1.0" encoding="utf-8"?>
+<file path=ppt/slides/slide4.xml><?xml version="1.0" encoding="utf-8"?>
 <p:sld xmlns:a="http://schemas.openxmlformats.org/drawingml/2006/main" xmlns:r="http://schemas.openxmlformats.org/officeDocument/2006/relationships" xmlns:p="http://schemas.openxmlformats.org/presentationml/2006/main">
   <p:cSld>
     <p:spTree>
@@ -4957,6 +5446,36 @@
           </a:p>
         </p:txBody>
       </p:sp>
+      <p:sp>
+        <p:nvSpPr>
+          <p:cNvPr id="7" name="ZoneTexte 6"/>
+          <p:cNvSpPr txBox="1"/>
+          <p:nvPr/>
+        </p:nvSpPr>
+        <p:spPr>
+          <a:xfrm>
+            <a:off x="949158" y="6453201"/>
+            <a:ext cx="2299368" cy="369332"/>
+          </a:xfrm>
+          <a:prstGeom prst="rect">
+            <a:avLst/>
+          </a:prstGeom>
+          <a:noFill/>
+        </p:spPr>
+        <p:txBody>
+          <a:bodyPr wrap="square" rtlCol="0">
+            <a:spAutoFit/>
+          </a:bodyPr>
+          <a:lstStyle/>
+          <a:p>
+            <a:r>
+              <a:rPr lang="fr-FR" dirty="0" smtClean="0"/>
+              <a:t>Diagramme de classe</a:t>
+            </a:r>
+            <a:endParaRPr lang="fr-FR" dirty="0"/>
+          </a:p>
+        </p:txBody>
+      </p:sp>
     </p:spTree>
     <p:extLst>
       <p:ext uri="{BB962C8B-B14F-4D97-AF65-F5344CB8AC3E}">
@@ -4970,7 +5489,7 @@
 </p:sld>
 </file>
 
-<file path=ppt/slides/slide4.xml><?xml version="1.0" encoding="utf-8"?>
+<file path=ppt/slides/slide5.xml><?xml version="1.0" encoding="utf-8"?>
 <p:sld xmlns:a="http://schemas.openxmlformats.org/drawingml/2006/main" xmlns:r="http://schemas.openxmlformats.org/officeDocument/2006/relationships" xmlns:p="http://schemas.openxmlformats.org/presentationml/2006/main">
   <p:cSld>
     <p:spTree>
@@ -5024,7 +5543,7 @@
 </p:sld>
 </file>
 
-<file path=ppt/slides/slide5.xml><?xml version="1.0" encoding="utf-8"?>
+<file path=ppt/slides/slide6.xml><?xml version="1.0" encoding="utf-8"?>
 <p:sld xmlns:a="http://schemas.openxmlformats.org/drawingml/2006/main" xmlns:r="http://schemas.openxmlformats.org/officeDocument/2006/relationships" xmlns:p="http://schemas.openxmlformats.org/presentationml/2006/main">
   <p:cSld>
     <p:spTree>
@@ -5078,7 +5597,7 @@
 </p:sld>
 </file>
 
-<file path=ppt/slides/slide6.xml><?xml version="1.0" encoding="utf-8"?>
+<file path=ppt/slides/slide7.xml><?xml version="1.0" encoding="utf-8"?>
 <p:sld xmlns:a="http://schemas.openxmlformats.org/drawingml/2006/main" xmlns:r="http://schemas.openxmlformats.org/officeDocument/2006/relationships" xmlns:p="http://schemas.openxmlformats.org/presentationml/2006/main">
   <p:cSld>
     <p:spTree>
@@ -5132,7 +5651,7 @@
 </p:sld>
 </file>
 
-<file path=ppt/slides/slide7.xml><?xml version="1.0" encoding="utf-8"?>
+<file path=ppt/slides/slide8.xml><?xml version="1.0" encoding="utf-8"?>
 <p:sld xmlns:a="http://schemas.openxmlformats.org/drawingml/2006/main" xmlns:r="http://schemas.openxmlformats.org/officeDocument/2006/relationships" xmlns:p="http://schemas.openxmlformats.org/presentationml/2006/main">
   <p:cSld>
     <p:spTree>
@@ -5186,7 +5705,7 @@
 </p:sld>
 </file>
 
-<file path=ppt/slides/slide8.xml><?xml version="1.0" encoding="utf-8"?>
+<file path=ppt/slides/slide9.xml><?xml version="1.0" encoding="utf-8"?>
 <p:sld xmlns:a="http://schemas.openxmlformats.org/drawingml/2006/main" xmlns:r="http://schemas.openxmlformats.org/officeDocument/2006/relationships" xmlns:p="http://schemas.openxmlformats.org/presentationml/2006/main">
   <p:cSld>
     <p:spTree>
@@ -5231,60 +5750,6 @@
     <p:extLst>
       <p:ext uri="{BB962C8B-B14F-4D97-AF65-F5344CB8AC3E}">
         <p14:creationId xmlns:p14="http://schemas.microsoft.com/office/powerpoint/2010/main" val="1867404109"/>
-      </p:ext>
-    </p:extLst>
-  </p:cSld>
-  <p:clrMapOvr>
-    <a:masterClrMapping/>
-  </p:clrMapOvr>
-</p:sld>
-</file>
-
-<file path=ppt/slides/slide9.xml><?xml version="1.0" encoding="utf-8"?>
-<p:sld xmlns:a="http://schemas.openxmlformats.org/drawingml/2006/main" xmlns:r="http://schemas.openxmlformats.org/officeDocument/2006/relationships" xmlns:p="http://schemas.openxmlformats.org/presentationml/2006/main">
-  <p:cSld>
-    <p:spTree>
-      <p:nvGrpSpPr>
-        <p:cNvPr id="1" name=""/>
-        <p:cNvGrpSpPr/>
-        <p:nvPr/>
-      </p:nvGrpSpPr>
-      <p:grpSpPr>
-        <a:xfrm>
-          <a:off x="0" y="0"/>
-          <a:ext cx="0" cy="0"/>
-          <a:chOff x="0" y="0"/>
-          <a:chExt cx="0" cy="0"/>
-        </a:xfrm>
-      </p:grpSpPr>
-      <p:pic>
-        <p:nvPicPr>
-          <p:cNvPr id="5" name="Image 4"/>
-          <p:cNvPicPr>
-            <a:picLocks noChangeAspect="1"/>
-          </p:cNvPicPr>
-          <p:nvPr/>
-        </p:nvPicPr>
-        <p:blipFill>
-          <a:blip r:embed="rId3"/>
-          <a:stretch>
-            <a:fillRect/>
-          </a:stretch>
-        </p:blipFill>
-        <p:spPr>
-          <a:xfrm>
-            <a:off x="0" y="355600"/>
-            <a:ext cx="9144000" cy="6130636"/>
-          </a:xfrm>
-          <a:prstGeom prst="rect">
-            <a:avLst/>
-          </a:prstGeom>
-        </p:spPr>
-      </p:pic>
-    </p:spTree>
-    <p:extLst>
-      <p:ext uri="{BB962C8B-B14F-4D97-AF65-F5344CB8AC3E}">
-        <p14:creationId xmlns:p14="http://schemas.microsoft.com/office/powerpoint/2010/main" val="1350776491"/>
       </p:ext>
     </p:extLst>
   </p:cSld>

--- a/Projet_Rendu.pptx
+++ b/Projet_Rendu.pptx
@@ -5,7 +5,7 @@
     <p:sldMasterId id="2147483648" r:id="rId1"/>
   </p:sldMasterIdLst>
   <p:notesMasterIdLst>
-    <p:notesMasterId r:id="rId17"/>
+    <p:notesMasterId r:id="rId18"/>
   </p:notesMasterIdLst>
   <p:sldIdLst>
     <p:sldId id="270" r:id="rId2"/>
@@ -14,15 +14,16 @@
     <p:sldId id="256" r:id="rId5"/>
     <p:sldId id="257" r:id="rId6"/>
     <p:sldId id="258" r:id="rId7"/>
-    <p:sldId id="259" r:id="rId8"/>
-    <p:sldId id="260" r:id="rId9"/>
-    <p:sldId id="261" r:id="rId10"/>
-    <p:sldId id="262" r:id="rId11"/>
-    <p:sldId id="264" r:id="rId12"/>
-    <p:sldId id="266" r:id="rId13"/>
-    <p:sldId id="267" r:id="rId14"/>
-    <p:sldId id="268" r:id="rId15"/>
-    <p:sldId id="269" r:id="rId16"/>
+    <p:sldId id="272" r:id="rId8"/>
+    <p:sldId id="259" r:id="rId9"/>
+    <p:sldId id="260" r:id="rId10"/>
+    <p:sldId id="261" r:id="rId11"/>
+    <p:sldId id="262" r:id="rId12"/>
+    <p:sldId id="264" r:id="rId13"/>
+    <p:sldId id="266" r:id="rId14"/>
+    <p:sldId id="267" r:id="rId15"/>
+    <p:sldId id="268" r:id="rId16"/>
+    <p:sldId id="269" r:id="rId17"/>
   </p:sldIdLst>
   <p:sldSz cx="9144000" cy="6858000" type="screen4x3"/>
   <p:notesSz cx="6858000" cy="9144000"/>
@@ -206,7 +207,8 @@
           <a:p>
             <a:fld id="{97927608-AA6F-B849-B055-79FEA1702593}" type="datetimeFigureOut">
               <a:rPr lang="fr-FR" smtClean="0"/>
-              <a:t>04/11/15</a:t>
+              <a:pPr/>
+              <a:t>05/11/2015</a:t>
             </a:fld>
             <a:endParaRPr lang="fr-FR"/>
           </a:p>
@@ -365,7 +367,8 @@
           <a:p>
             <a:fld id="{CEFF10A2-4935-6942-8765-6FD66C09605C}" type="slidenum">
               <a:rPr lang="fr-FR" smtClean="0"/>
-              <a:t>‹#›</a:t>
+              <a:pPr/>
+              <a:t>‹N°›</a:t>
             </a:fld>
             <a:endParaRPr lang="fr-FR"/>
           </a:p>
@@ -374,7 +377,7 @@
     </p:spTree>
     <p:extLst>
       <p:ext uri="{BB962C8B-B14F-4D97-AF65-F5344CB8AC3E}">
-        <p14:creationId xmlns:p14="http://schemas.microsoft.com/office/powerpoint/2010/main" val="1100143468"/>
+        <p14:creationId xmlns="" xmlns:p14="http://schemas.microsoft.com/office/powerpoint/2010/main" val="1100143468"/>
       </p:ext>
     </p:extLst>
   </p:cSld>
@@ -543,6 +546,7 @@
           <a:p>
             <a:fld id="{CEFF10A2-4935-6942-8765-6FD66C09605C}" type="slidenum">
               <a:rPr lang="fr-FR" smtClean="0"/>
+              <a:pPr/>
               <a:t>3</a:t>
             </a:fld>
             <a:endParaRPr lang="fr-FR"/>
@@ -552,7 +556,7 @@
     </p:spTree>
     <p:extLst>
       <p:ext uri="{BB962C8B-B14F-4D97-AF65-F5344CB8AC3E}">
-        <p14:creationId xmlns:p14="http://schemas.microsoft.com/office/powerpoint/2010/main" val="4083273496"/>
+        <p14:creationId xmlns="" xmlns:p14="http://schemas.microsoft.com/office/powerpoint/2010/main" val="4083273496"/>
       </p:ext>
     </p:extLst>
   </p:cSld>
@@ -631,6 +635,7 @@
           <a:p>
             <a:fld id="{CEFF10A2-4935-6942-8765-6FD66C09605C}" type="slidenum">
               <a:rPr lang="fr-FR" smtClean="0"/>
+              <a:pPr/>
               <a:t>5</a:t>
             </a:fld>
             <a:endParaRPr lang="fr-FR"/>
@@ -640,7 +645,7 @@
     </p:spTree>
     <p:extLst>
       <p:ext uri="{BB962C8B-B14F-4D97-AF65-F5344CB8AC3E}">
-        <p14:creationId xmlns:p14="http://schemas.microsoft.com/office/powerpoint/2010/main" val="502557491"/>
+        <p14:creationId xmlns="" xmlns:p14="http://schemas.microsoft.com/office/powerpoint/2010/main" val="502557491"/>
       </p:ext>
     </p:extLst>
   </p:cSld>
@@ -719,6 +724,7 @@
           <a:p>
             <a:fld id="{CEFF10A2-4935-6942-8765-6FD66C09605C}" type="slidenum">
               <a:rPr lang="fr-FR" smtClean="0"/>
+              <a:pPr/>
               <a:t>6</a:t>
             </a:fld>
             <a:endParaRPr lang="fr-FR"/>
@@ -728,7 +734,7 @@
     </p:spTree>
     <p:extLst>
       <p:ext uri="{BB962C8B-B14F-4D97-AF65-F5344CB8AC3E}">
-        <p14:creationId xmlns:p14="http://schemas.microsoft.com/office/powerpoint/2010/main" val="3717562325"/>
+        <p14:creationId xmlns="" xmlns:p14="http://schemas.microsoft.com/office/powerpoint/2010/main" val="3717562325"/>
       </p:ext>
     </p:extLst>
   </p:cSld>
@@ -779,12 +785,22 @@
         </p:nvSpPr>
         <p:spPr/>
         <p:txBody>
-          <a:bodyPr/>
+          <a:bodyPr>
+            <a:normAutofit/>
+          </a:bodyPr>
           <a:lstStyle/>
           <a:p>
             <a:r>
               <a:rPr lang="fr-FR" dirty="0" smtClean="0"/>
-              <a:t>Act3</a:t>
+              <a:t>Act2</a:t>
+            </a:r>
+            <a:r>
+              <a:rPr lang="fr-FR" baseline="0" dirty="0" smtClean="0"/>
+              <a:t> </a:t>
+            </a:r>
+            <a:r>
+              <a:rPr lang="fr-FR" baseline="0" dirty="0" err="1" smtClean="0"/>
+              <a:t>suppr</a:t>
             </a:r>
             <a:endParaRPr lang="fr-FR" dirty="0"/>
           </a:p>
@@ -807,6 +823,7 @@
           <a:p>
             <a:fld id="{CEFF10A2-4935-6942-8765-6FD66C09605C}" type="slidenum">
               <a:rPr lang="fr-FR" smtClean="0"/>
+              <a:pPr/>
               <a:t>7</a:t>
             </a:fld>
             <a:endParaRPr lang="fr-FR"/>
@@ -814,11 +831,6 @@
         </p:txBody>
       </p:sp>
     </p:spTree>
-    <p:extLst>
-      <p:ext uri="{BB962C8B-B14F-4D97-AF65-F5344CB8AC3E}">
-        <p14:creationId xmlns:p14="http://schemas.microsoft.com/office/powerpoint/2010/main" val="2227363191"/>
-      </p:ext>
-    </p:extLst>
   </p:cSld>
   <p:clrMapOvr>
     <a:masterClrMapping/>
@@ -872,7 +884,7 @@
           <a:p>
             <a:r>
               <a:rPr lang="fr-FR" dirty="0" smtClean="0"/>
-              <a:t>Act4</a:t>
+              <a:t>Act3</a:t>
             </a:r>
             <a:endParaRPr lang="fr-FR" dirty="0"/>
           </a:p>
@@ -895,6 +907,7 @@
           <a:p>
             <a:fld id="{CEFF10A2-4935-6942-8765-6FD66C09605C}" type="slidenum">
               <a:rPr lang="fr-FR" smtClean="0"/>
+              <a:pPr/>
               <a:t>8</a:t>
             </a:fld>
             <a:endParaRPr lang="fr-FR"/>
@@ -904,7 +917,7 @@
     </p:spTree>
     <p:extLst>
       <p:ext uri="{BB962C8B-B14F-4D97-AF65-F5344CB8AC3E}">
-        <p14:creationId xmlns:p14="http://schemas.microsoft.com/office/powerpoint/2010/main" val="4389050"/>
+        <p14:creationId xmlns="" xmlns:p14="http://schemas.microsoft.com/office/powerpoint/2010/main" val="2227363191"/>
       </p:ext>
     </p:extLst>
   </p:cSld>
@@ -960,7 +973,7 @@
           <a:p>
             <a:r>
               <a:rPr lang="fr-FR" dirty="0" smtClean="0"/>
-              <a:t>Act5</a:t>
+              <a:t>Act4</a:t>
             </a:r>
             <a:endParaRPr lang="fr-FR" dirty="0"/>
           </a:p>
@@ -983,6 +996,7 @@
           <a:p>
             <a:fld id="{CEFF10A2-4935-6942-8765-6FD66C09605C}" type="slidenum">
               <a:rPr lang="fr-FR" smtClean="0"/>
+              <a:pPr/>
               <a:t>9</a:t>
             </a:fld>
             <a:endParaRPr lang="fr-FR"/>
@@ -992,7 +1006,7 @@
     </p:spTree>
     <p:extLst>
       <p:ext uri="{BB962C8B-B14F-4D97-AF65-F5344CB8AC3E}">
-        <p14:creationId xmlns:p14="http://schemas.microsoft.com/office/powerpoint/2010/main" val="7648707"/>
+        <p14:creationId xmlns="" xmlns:p14="http://schemas.microsoft.com/office/powerpoint/2010/main" val="4389050"/>
       </p:ext>
     </p:extLst>
   </p:cSld>
@@ -1048,7 +1062,7 @@
           <a:p>
             <a:r>
               <a:rPr lang="fr-FR" dirty="0" smtClean="0"/>
-              <a:t>Act6</a:t>
+              <a:t>Act5</a:t>
             </a:r>
             <a:endParaRPr lang="fr-FR" dirty="0"/>
           </a:p>
@@ -1071,6 +1085,7 @@
           <a:p>
             <a:fld id="{CEFF10A2-4935-6942-8765-6FD66C09605C}" type="slidenum">
               <a:rPr lang="fr-FR" smtClean="0"/>
+              <a:pPr/>
               <a:t>10</a:t>
             </a:fld>
             <a:endParaRPr lang="fr-FR"/>
@@ -1080,7 +1095,96 @@
     </p:spTree>
     <p:extLst>
       <p:ext uri="{BB962C8B-B14F-4D97-AF65-F5344CB8AC3E}">
-        <p14:creationId xmlns:p14="http://schemas.microsoft.com/office/powerpoint/2010/main" val="1975428458"/>
+        <p14:creationId xmlns="" xmlns:p14="http://schemas.microsoft.com/office/powerpoint/2010/main" val="7648707"/>
+      </p:ext>
+    </p:extLst>
+  </p:cSld>
+  <p:clrMapOvr>
+    <a:masterClrMapping/>
+  </p:clrMapOvr>
+</p:notes>
+</file>
+
+<file path=ppt/notesSlides/notesSlide8.xml><?xml version="1.0" encoding="utf-8"?>
+<p:notes xmlns:a="http://schemas.openxmlformats.org/drawingml/2006/main" xmlns:r="http://schemas.openxmlformats.org/officeDocument/2006/relationships" xmlns:p="http://schemas.openxmlformats.org/presentationml/2006/main">
+  <p:cSld>
+    <p:spTree>
+      <p:nvGrpSpPr>
+        <p:cNvPr id="1" name=""/>
+        <p:cNvGrpSpPr/>
+        <p:nvPr/>
+      </p:nvGrpSpPr>
+      <p:grpSpPr>
+        <a:xfrm>
+          <a:off x="0" y="0"/>
+          <a:ext cx="0" cy="0"/>
+          <a:chOff x="0" y="0"/>
+          <a:chExt cx="0" cy="0"/>
+        </a:xfrm>
+      </p:grpSpPr>
+      <p:sp>
+        <p:nvSpPr>
+          <p:cNvPr id="2" name="Espace réservé de l'image des diapositives 1"/>
+          <p:cNvSpPr>
+            <a:spLocks noGrp="1" noRot="1" noChangeAspect="1"/>
+          </p:cNvSpPr>
+          <p:nvPr>
+            <p:ph type="sldImg"/>
+          </p:nvPr>
+        </p:nvSpPr>
+        <p:spPr/>
+      </p:sp>
+      <p:sp>
+        <p:nvSpPr>
+          <p:cNvPr id="3" name="Espace réservé des commentaires 2"/>
+          <p:cNvSpPr>
+            <a:spLocks noGrp="1"/>
+          </p:cNvSpPr>
+          <p:nvPr>
+            <p:ph type="body" idx="1"/>
+          </p:nvPr>
+        </p:nvSpPr>
+        <p:spPr/>
+        <p:txBody>
+          <a:bodyPr/>
+          <a:lstStyle/>
+          <a:p>
+            <a:r>
+              <a:rPr lang="fr-FR" dirty="0" smtClean="0"/>
+              <a:t>Act6</a:t>
+            </a:r>
+            <a:endParaRPr lang="fr-FR" dirty="0"/>
+          </a:p>
+        </p:txBody>
+      </p:sp>
+      <p:sp>
+        <p:nvSpPr>
+          <p:cNvPr id="4" name="Espace réservé du numéro de diapositive 3"/>
+          <p:cNvSpPr>
+            <a:spLocks noGrp="1"/>
+          </p:cNvSpPr>
+          <p:nvPr>
+            <p:ph type="sldNum" sz="quarter" idx="10"/>
+          </p:nvPr>
+        </p:nvSpPr>
+        <p:spPr/>
+        <p:txBody>
+          <a:bodyPr/>
+          <a:lstStyle/>
+          <a:p>
+            <a:fld id="{CEFF10A2-4935-6942-8765-6FD66C09605C}" type="slidenum">
+              <a:rPr lang="fr-FR" smtClean="0"/>
+              <a:pPr/>
+              <a:t>11</a:t>
+            </a:fld>
+            <a:endParaRPr lang="fr-FR"/>
+          </a:p>
+        </p:txBody>
+      </p:sp>
+    </p:spTree>
+    <p:extLst>
+      <p:ext uri="{BB962C8B-B14F-4D97-AF65-F5344CB8AC3E}">
+        <p14:creationId xmlns="" xmlns:p14="http://schemas.microsoft.com/office/powerpoint/2010/main" val="1975428458"/>
       </p:ext>
     </p:extLst>
   </p:cSld>
@@ -1269,9 +1373,9 @@
           <a:bodyPr/>
           <a:lstStyle/>
           <a:p>
-            <a:fld id="{44BBEA5D-1B16-2D4B-BB97-B5F771E91C8C}" type="datetimeFigureOut">
-              <a:rPr lang="fr-FR" smtClean="0"/>
-              <a:t>04/11/15</a:t>
+            <a:fld id="{D48343A7-A34C-4C5B-B309-7E9C704B4583}" type="datetime1">
+              <a:rPr lang="fr-FR" smtClean="0"/>
+              <a:t>05/11/2015</a:t>
             </a:fld>
             <a:endParaRPr lang="fr-FR"/>
           </a:p>
@@ -1313,7 +1417,8 @@
           <a:p>
             <a:fld id="{056C150D-5AB1-BF4C-BA4C-4507C4A10A88}" type="slidenum">
               <a:rPr lang="fr-FR" smtClean="0"/>
-              <a:t>‹#›</a:t>
+              <a:pPr/>
+              <a:t>‹N°›</a:t>
             </a:fld>
             <a:endParaRPr lang="fr-FR"/>
           </a:p>
@@ -1322,7 +1427,7 @@
     </p:spTree>
     <p:extLst>
       <p:ext uri="{BB962C8B-B14F-4D97-AF65-F5344CB8AC3E}">
-        <p14:creationId xmlns:p14="http://schemas.microsoft.com/office/powerpoint/2010/main" val="1261606108"/>
+        <p14:creationId xmlns="" xmlns:p14="http://schemas.microsoft.com/office/powerpoint/2010/main" val="1261606108"/>
       </p:ext>
     </p:extLst>
   </p:cSld>
@@ -1439,9 +1544,9 @@
           <a:bodyPr/>
           <a:lstStyle/>
           <a:p>
-            <a:fld id="{44BBEA5D-1B16-2D4B-BB97-B5F771E91C8C}" type="datetimeFigureOut">
-              <a:rPr lang="fr-FR" smtClean="0"/>
-              <a:t>04/11/15</a:t>
+            <a:fld id="{BEC1E2B0-55CE-48EB-9C5E-A3B4E5294AFA}" type="datetime1">
+              <a:rPr lang="fr-FR" smtClean="0"/>
+              <a:t>05/11/2015</a:t>
             </a:fld>
             <a:endParaRPr lang="fr-FR"/>
           </a:p>
@@ -1483,7 +1588,8 @@
           <a:p>
             <a:fld id="{056C150D-5AB1-BF4C-BA4C-4507C4A10A88}" type="slidenum">
               <a:rPr lang="fr-FR" smtClean="0"/>
-              <a:t>‹#›</a:t>
+              <a:pPr/>
+              <a:t>‹N°›</a:t>
             </a:fld>
             <a:endParaRPr lang="fr-FR"/>
           </a:p>
@@ -1492,7 +1598,7 @@
     </p:spTree>
     <p:extLst>
       <p:ext uri="{BB962C8B-B14F-4D97-AF65-F5344CB8AC3E}">
-        <p14:creationId xmlns:p14="http://schemas.microsoft.com/office/powerpoint/2010/main" val="260284998"/>
+        <p14:creationId xmlns="" xmlns:p14="http://schemas.microsoft.com/office/powerpoint/2010/main" val="260284998"/>
       </p:ext>
     </p:extLst>
   </p:cSld>
@@ -1619,9 +1725,9 @@
           <a:bodyPr/>
           <a:lstStyle/>
           <a:p>
-            <a:fld id="{44BBEA5D-1B16-2D4B-BB97-B5F771E91C8C}" type="datetimeFigureOut">
-              <a:rPr lang="fr-FR" smtClean="0"/>
-              <a:t>04/11/15</a:t>
+            <a:fld id="{8E737AE0-69AA-4BF5-8D77-FC2C44BA882F}" type="datetime1">
+              <a:rPr lang="fr-FR" smtClean="0"/>
+              <a:t>05/11/2015</a:t>
             </a:fld>
             <a:endParaRPr lang="fr-FR"/>
           </a:p>
@@ -1663,7 +1769,8 @@
           <a:p>
             <a:fld id="{056C150D-5AB1-BF4C-BA4C-4507C4A10A88}" type="slidenum">
               <a:rPr lang="fr-FR" smtClean="0"/>
-              <a:t>‹#›</a:t>
+              <a:pPr/>
+              <a:t>‹N°›</a:t>
             </a:fld>
             <a:endParaRPr lang="fr-FR"/>
           </a:p>
@@ -1672,7 +1779,7 @@
     </p:spTree>
     <p:extLst>
       <p:ext uri="{BB962C8B-B14F-4D97-AF65-F5344CB8AC3E}">
-        <p14:creationId xmlns:p14="http://schemas.microsoft.com/office/powerpoint/2010/main" val="732556598"/>
+        <p14:creationId xmlns="" xmlns:p14="http://schemas.microsoft.com/office/powerpoint/2010/main" val="732556598"/>
       </p:ext>
     </p:extLst>
   </p:cSld>
@@ -1789,9 +1896,9 @@
           <a:bodyPr/>
           <a:lstStyle/>
           <a:p>
-            <a:fld id="{44BBEA5D-1B16-2D4B-BB97-B5F771E91C8C}" type="datetimeFigureOut">
-              <a:rPr lang="fr-FR" smtClean="0"/>
-              <a:t>04/11/15</a:t>
+            <a:fld id="{C6AB51A6-171C-4093-9CC8-D8B91D287211}" type="datetime1">
+              <a:rPr lang="fr-FR" smtClean="0"/>
+              <a:t>05/11/2015</a:t>
             </a:fld>
             <a:endParaRPr lang="fr-FR"/>
           </a:p>
@@ -1833,7 +1940,8 @@
           <a:p>
             <a:fld id="{056C150D-5AB1-BF4C-BA4C-4507C4A10A88}" type="slidenum">
               <a:rPr lang="fr-FR" smtClean="0"/>
-              <a:t>‹#›</a:t>
+              <a:pPr/>
+              <a:t>‹N°›</a:t>
             </a:fld>
             <a:endParaRPr lang="fr-FR"/>
           </a:p>
@@ -1842,7 +1950,7 @@
     </p:spTree>
     <p:extLst>
       <p:ext uri="{BB962C8B-B14F-4D97-AF65-F5344CB8AC3E}">
-        <p14:creationId xmlns:p14="http://schemas.microsoft.com/office/powerpoint/2010/main" val="672930647"/>
+        <p14:creationId xmlns="" xmlns:p14="http://schemas.microsoft.com/office/powerpoint/2010/main" val="672930647"/>
       </p:ext>
     </p:extLst>
   </p:cSld>
@@ -2035,9 +2143,9 @@
           <a:bodyPr/>
           <a:lstStyle/>
           <a:p>
-            <a:fld id="{44BBEA5D-1B16-2D4B-BB97-B5F771E91C8C}" type="datetimeFigureOut">
-              <a:rPr lang="fr-FR" smtClean="0"/>
-              <a:t>04/11/15</a:t>
+            <a:fld id="{A6CBDE06-FD9E-4C31-891A-8058AD8AFBA5}" type="datetime1">
+              <a:rPr lang="fr-FR" smtClean="0"/>
+              <a:t>05/11/2015</a:t>
             </a:fld>
             <a:endParaRPr lang="fr-FR"/>
           </a:p>
@@ -2079,7 +2187,8 @@
           <a:p>
             <a:fld id="{056C150D-5AB1-BF4C-BA4C-4507C4A10A88}" type="slidenum">
               <a:rPr lang="fr-FR" smtClean="0"/>
-              <a:t>‹#›</a:t>
+              <a:pPr/>
+              <a:t>‹N°›</a:t>
             </a:fld>
             <a:endParaRPr lang="fr-FR"/>
           </a:p>
@@ -2088,7 +2197,7 @@
     </p:spTree>
     <p:extLst>
       <p:ext uri="{BB962C8B-B14F-4D97-AF65-F5344CB8AC3E}">
-        <p14:creationId xmlns:p14="http://schemas.microsoft.com/office/powerpoint/2010/main" val="1160702768"/>
+        <p14:creationId xmlns="" xmlns:p14="http://schemas.microsoft.com/office/powerpoint/2010/main" val="1160702768"/>
       </p:ext>
     </p:extLst>
   </p:cSld>
@@ -2323,9 +2432,9 @@
           <a:bodyPr/>
           <a:lstStyle/>
           <a:p>
-            <a:fld id="{44BBEA5D-1B16-2D4B-BB97-B5F771E91C8C}" type="datetimeFigureOut">
-              <a:rPr lang="fr-FR" smtClean="0"/>
-              <a:t>04/11/15</a:t>
+            <a:fld id="{7C63B998-8AC3-4887-810D-1CAE145CBC74}" type="datetime1">
+              <a:rPr lang="fr-FR" smtClean="0"/>
+              <a:t>05/11/2015</a:t>
             </a:fld>
             <a:endParaRPr lang="fr-FR"/>
           </a:p>
@@ -2367,7 +2476,8 @@
           <a:p>
             <a:fld id="{056C150D-5AB1-BF4C-BA4C-4507C4A10A88}" type="slidenum">
               <a:rPr lang="fr-FR" smtClean="0"/>
-              <a:t>‹#›</a:t>
+              <a:pPr/>
+              <a:t>‹N°›</a:t>
             </a:fld>
             <a:endParaRPr lang="fr-FR"/>
           </a:p>
@@ -2376,7 +2486,7 @@
     </p:spTree>
     <p:extLst>
       <p:ext uri="{BB962C8B-B14F-4D97-AF65-F5344CB8AC3E}">
-        <p14:creationId xmlns:p14="http://schemas.microsoft.com/office/powerpoint/2010/main" val="807809454"/>
+        <p14:creationId xmlns="" xmlns:p14="http://schemas.microsoft.com/office/powerpoint/2010/main" val="807809454"/>
       </p:ext>
     </p:extLst>
   </p:cSld>
@@ -2745,9 +2855,9 @@
           <a:bodyPr/>
           <a:lstStyle/>
           <a:p>
-            <a:fld id="{44BBEA5D-1B16-2D4B-BB97-B5F771E91C8C}" type="datetimeFigureOut">
-              <a:rPr lang="fr-FR" smtClean="0"/>
-              <a:t>04/11/15</a:t>
+            <a:fld id="{4A6EF7B6-9868-4114-8D19-ECE08A0E59A7}" type="datetime1">
+              <a:rPr lang="fr-FR" smtClean="0"/>
+              <a:t>05/11/2015</a:t>
             </a:fld>
             <a:endParaRPr lang="fr-FR"/>
           </a:p>
@@ -2789,7 +2899,8 @@
           <a:p>
             <a:fld id="{056C150D-5AB1-BF4C-BA4C-4507C4A10A88}" type="slidenum">
               <a:rPr lang="fr-FR" smtClean="0"/>
-              <a:t>‹#›</a:t>
+              <a:pPr/>
+              <a:t>‹N°›</a:t>
             </a:fld>
             <a:endParaRPr lang="fr-FR"/>
           </a:p>
@@ -2798,7 +2909,7 @@
     </p:spTree>
     <p:extLst>
       <p:ext uri="{BB962C8B-B14F-4D97-AF65-F5344CB8AC3E}">
-        <p14:creationId xmlns:p14="http://schemas.microsoft.com/office/powerpoint/2010/main" val="3158448841"/>
+        <p14:creationId xmlns="" xmlns:p14="http://schemas.microsoft.com/office/powerpoint/2010/main" val="3158448841"/>
       </p:ext>
     </p:extLst>
   </p:cSld>
@@ -2863,9 +2974,9 @@
           <a:bodyPr/>
           <a:lstStyle/>
           <a:p>
-            <a:fld id="{44BBEA5D-1B16-2D4B-BB97-B5F771E91C8C}" type="datetimeFigureOut">
-              <a:rPr lang="fr-FR" smtClean="0"/>
-              <a:t>04/11/15</a:t>
+            <a:fld id="{CF0A83B2-C611-4321-83C7-DF635EF86C03}" type="datetime1">
+              <a:rPr lang="fr-FR" smtClean="0"/>
+              <a:t>05/11/2015</a:t>
             </a:fld>
             <a:endParaRPr lang="fr-FR"/>
           </a:p>
@@ -2907,7 +3018,8 @@
           <a:p>
             <a:fld id="{056C150D-5AB1-BF4C-BA4C-4507C4A10A88}" type="slidenum">
               <a:rPr lang="fr-FR" smtClean="0"/>
-              <a:t>‹#›</a:t>
+              <a:pPr/>
+              <a:t>‹N°›</a:t>
             </a:fld>
             <a:endParaRPr lang="fr-FR"/>
           </a:p>
@@ -2916,7 +3028,7 @@
     </p:spTree>
     <p:extLst>
       <p:ext uri="{BB962C8B-B14F-4D97-AF65-F5344CB8AC3E}">
-        <p14:creationId xmlns:p14="http://schemas.microsoft.com/office/powerpoint/2010/main" val="2570070853"/>
+        <p14:creationId xmlns="" xmlns:p14="http://schemas.microsoft.com/office/powerpoint/2010/main" val="2570070853"/>
       </p:ext>
     </p:extLst>
   </p:cSld>
@@ -2958,9 +3070,9 @@
           <a:bodyPr/>
           <a:lstStyle/>
           <a:p>
-            <a:fld id="{44BBEA5D-1B16-2D4B-BB97-B5F771E91C8C}" type="datetimeFigureOut">
-              <a:rPr lang="fr-FR" smtClean="0"/>
-              <a:t>04/11/15</a:t>
+            <a:fld id="{142D575C-2213-4706-BD9D-3470AAAD7849}" type="datetime1">
+              <a:rPr lang="fr-FR" smtClean="0"/>
+              <a:t>05/11/2015</a:t>
             </a:fld>
             <a:endParaRPr lang="fr-FR"/>
           </a:p>
@@ -3002,7 +3114,8 @@
           <a:p>
             <a:fld id="{056C150D-5AB1-BF4C-BA4C-4507C4A10A88}" type="slidenum">
               <a:rPr lang="fr-FR" smtClean="0"/>
-              <a:t>‹#›</a:t>
+              <a:pPr/>
+              <a:t>‹N°›</a:t>
             </a:fld>
             <a:endParaRPr lang="fr-FR"/>
           </a:p>
@@ -3011,7 +3124,7 @@
     </p:spTree>
     <p:extLst>
       <p:ext uri="{BB962C8B-B14F-4D97-AF65-F5344CB8AC3E}">
-        <p14:creationId xmlns:p14="http://schemas.microsoft.com/office/powerpoint/2010/main" val="60364303"/>
+        <p14:creationId xmlns="" xmlns:p14="http://schemas.microsoft.com/office/powerpoint/2010/main" val="60364303"/>
       </p:ext>
     </p:extLst>
   </p:cSld>
@@ -3235,9 +3348,9 @@
           <a:bodyPr/>
           <a:lstStyle/>
           <a:p>
-            <a:fld id="{44BBEA5D-1B16-2D4B-BB97-B5F771E91C8C}" type="datetimeFigureOut">
-              <a:rPr lang="fr-FR" smtClean="0"/>
-              <a:t>04/11/15</a:t>
+            <a:fld id="{63E9A653-A11C-4849-91D6-15668188BF88}" type="datetime1">
+              <a:rPr lang="fr-FR" smtClean="0"/>
+              <a:t>05/11/2015</a:t>
             </a:fld>
             <a:endParaRPr lang="fr-FR"/>
           </a:p>
@@ -3279,7 +3392,8 @@
           <a:p>
             <a:fld id="{056C150D-5AB1-BF4C-BA4C-4507C4A10A88}" type="slidenum">
               <a:rPr lang="fr-FR" smtClean="0"/>
-              <a:t>‹#›</a:t>
+              <a:pPr/>
+              <a:t>‹N°›</a:t>
             </a:fld>
             <a:endParaRPr lang="fr-FR"/>
           </a:p>
@@ -3288,7 +3402,7 @@
     </p:spTree>
     <p:extLst>
       <p:ext uri="{BB962C8B-B14F-4D97-AF65-F5344CB8AC3E}">
-        <p14:creationId xmlns:p14="http://schemas.microsoft.com/office/powerpoint/2010/main" val="1436609040"/>
+        <p14:creationId xmlns="" xmlns:p14="http://schemas.microsoft.com/office/powerpoint/2010/main" val="1436609040"/>
       </p:ext>
     </p:extLst>
   </p:cSld>
@@ -3488,9 +3602,9 @@
           <a:bodyPr/>
           <a:lstStyle/>
           <a:p>
-            <a:fld id="{44BBEA5D-1B16-2D4B-BB97-B5F771E91C8C}" type="datetimeFigureOut">
-              <a:rPr lang="fr-FR" smtClean="0"/>
-              <a:t>04/11/15</a:t>
+            <a:fld id="{A7E0BD49-0015-4311-91E2-49E8973AC179}" type="datetime1">
+              <a:rPr lang="fr-FR" smtClean="0"/>
+              <a:t>05/11/2015</a:t>
             </a:fld>
             <a:endParaRPr lang="fr-FR"/>
           </a:p>
@@ -3532,7 +3646,8 @@
           <a:p>
             <a:fld id="{056C150D-5AB1-BF4C-BA4C-4507C4A10A88}" type="slidenum">
               <a:rPr lang="fr-FR" smtClean="0"/>
-              <a:t>‹#›</a:t>
+              <a:pPr/>
+              <a:t>‹N°›</a:t>
             </a:fld>
             <a:endParaRPr lang="fr-FR"/>
           </a:p>
@@ -3541,7 +3656,7 @@
     </p:spTree>
     <p:extLst>
       <p:ext uri="{BB962C8B-B14F-4D97-AF65-F5344CB8AC3E}">
-        <p14:creationId xmlns:p14="http://schemas.microsoft.com/office/powerpoint/2010/main" val="2827313433"/>
+        <p14:creationId xmlns="" xmlns:p14="http://schemas.microsoft.com/office/powerpoint/2010/main" val="2827313433"/>
       </p:ext>
     </p:extLst>
   </p:cSld>
@@ -3701,9 +3816,9 @@
             </a:lvl1pPr>
           </a:lstStyle>
           <a:p>
-            <a:fld id="{44BBEA5D-1B16-2D4B-BB97-B5F771E91C8C}" type="datetimeFigureOut">
-              <a:rPr lang="fr-FR" smtClean="0"/>
-              <a:t>04/11/15</a:t>
+            <a:fld id="{39E5F813-74BA-40A8-B40D-A272356A62FC}" type="datetime1">
+              <a:rPr lang="fr-FR" smtClean="0"/>
+              <a:t>05/11/2015</a:t>
             </a:fld>
             <a:endParaRPr lang="fr-FR"/>
           </a:p>
@@ -3781,7 +3896,8 @@
           <a:p>
             <a:fld id="{056C150D-5AB1-BF4C-BA4C-4507C4A10A88}" type="slidenum">
               <a:rPr lang="fr-FR" smtClean="0"/>
-              <a:t>‹#›</a:t>
+              <a:pPr/>
+              <a:t>‹N°›</a:t>
             </a:fld>
             <a:endParaRPr lang="fr-FR"/>
           </a:p>
@@ -3790,7 +3906,7 @@
     </p:spTree>
     <p:extLst>
       <p:ext uri="{BB962C8B-B14F-4D97-AF65-F5344CB8AC3E}">
-        <p14:creationId xmlns:p14="http://schemas.microsoft.com/office/powerpoint/2010/main" val="3971767956"/>
+        <p14:creationId xmlns="" xmlns:p14="http://schemas.microsoft.com/office/powerpoint/2010/main" val="3971767956"/>
       </p:ext>
     </p:extLst>
   </p:cSld>
@@ -3808,6 +3924,7 @@
     <p:sldLayoutId id="2147483658" r:id="rId10"/>
     <p:sldLayoutId id="2147483659" r:id="rId11"/>
   </p:sldLayoutIdLst>
+  <p:hf hdr="0" ftr="0" dt="0"/>
   <p:txStyles>
     <p:titleStyle>
       <a:lvl1pPr algn="ctr" defTabSz="457200" rtl="0" eaLnBrk="1" latinLnBrk="0" hangingPunct="1">
@@ -4418,10 +4535,34 @@
           </a:prstGeom>
         </p:spPr>
       </p:pic>
+      <p:sp>
+        <p:nvSpPr>
+          <p:cNvPr id="7" name="Espace réservé du numéro de diapositive 6"/>
+          <p:cNvSpPr>
+            <a:spLocks noGrp="1"/>
+          </p:cNvSpPr>
+          <p:nvPr>
+            <p:ph type="sldNum" sz="quarter" idx="12"/>
+          </p:nvPr>
+        </p:nvSpPr>
+        <p:spPr/>
+        <p:txBody>
+          <a:bodyPr/>
+          <a:lstStyle/>
+          <a:p>
+            <a:fld id="{056C150D-5AB1-BF4C-BA4C-4507C4A10A88}" type="slidenum">
+              <a:rPr lang="fr-FR" smtClean="0"/>
+              <a:pPr/>
+              <a:t>1</a:t>
+            </a:fld>
+            <a:endParaRPr lang="fr-FR"/>
+          </a:p>
+        </p:txBody>
+      </p:sp>
     </p:spTree>
     <p:extLst>
       <p:ext uri="{BB962C8B-B14F-4D97-AF65-F5344CB8AC3E}">
-        <p14:creationId xmlns:p14="http://schemas.microsoft.com/office/powerpoint/2010/main" val="1963833695"/>
+        <p14:creationId xmlns="" xmlns:p14="http://schemas.microsoft.com/office/powerpoint/2010/main" val="1963833695"/>
       </p:ext>
     </p:extLst>
   </p:cSld>
@@ -4450,32 +4591,58 @@
       </p:grpSpPr>
       <p:pic>
         <p:nvPicPr>
-          <p:cNvPr id="5" name="Image 4"/>
+          <p:cNvPr id="6146" name="Picture 2" descr="C:\Users\Roland\OneDrive\Documents\UML\projet\images\act_05.jpg"/>
           <p:cNvPicPr>
-            <a:picLocks noChangeAspect="1"/>
+            <a:picLocks noChangeAspect="1" noChangeArrowheads="1"/>
           </p:cNvPicPr>
           <p:nvPr/>
         </p:nvPicPr>
         <p:blipFill>
           <a:blip r:embed="rId3"/>
+          <a:srcRect/>
           <a:stretch>
             <a:fillRect/>
           </a:stretch>
         </p:blipFill>
-        <p:spPr>
+        <p:spPr bwMode="auto">
           <a:xfrm>
-            <a:off x="0" y="355600"/>
-            <a:ext cx="9144000" cy="6130636"/>
+            <a:off x="395417" y="222422"/>
+            <a:ext cx="8419348" cy="6100977"/>
           </a:xfrm>
           <a:prstGeom prst="rect">
             <a:avLst/>
           </a:prstGeom>
+          <a:noFill/>
         </p:spPr>
       </p:pic>
+      <p:sp>
+        <p:nvSpPr>
+          <p:cNvPr id="3" name="Espace réservé du numéro de diapositive 2"/>
+          <p:cNvSpPr>
+            <a:spLocks noGrp="1"/>
+          </p:cNvSpPr>
+          <p:nvPr>
+            <p:ph type="sldNum" sz="quarter" idx="12"/>
+          </p:nvPr>
+        </p:nvSpPr>
+        <p:spPr/>
+        <p:txBody>
+          <a:bodyPr/>
+          <a:lstStyle/>
+          <a:p>
+            <a:fld id="{056C150D-5AB1-BF4C-BA4C-4507C4A10A88}" type="slidenum">
+              <a:rPr lang="fr-FR" smtClean="0"/>
+              <a:pPr/>
+              <a:t>10</a:t>
+            </a:fld>
+            <a:endParaRPr lang="fr-FR"/>
+          </a:p>
+        </p:txBody>
+      </p:sp>
     </p:spTree>
     <p:extLst>
       <p:ext uri="{BB962C8B-B14F-4D97-AF65-F5344CB8AC3E}">
-        <p14:creationId xmlns:p14="http://schemas.microsoft.com/office/powerpoint/2010/main" val="1350776491"/>
+        <p14:creationId xmlns="" xmlns:p14="http://schemas.microsoft.com/office/powerpoint/2010/main" val="1867404109"/>
       </p:ext>
     </p:extLst>
   </p:cSld>
@@ -4486,6 +4653,86 @@
 </file>
 
 <file path=ppt/slides/slide11.xml><?xml version="1.0" encoding="utf-8"?>
+<p:sld xmlns:a="http://schemas.openxmlformats.org/drawingml/2006/main" xmlns:r="http://schemas.openxmlformats.org/officeDocument/2006/relationships" xmlns:p="http://schemas.openxmlformats.org/presentationml/2006/main">
+  <p:cSld>
+    <p:spTree>
+      <p:nvGrpSpPr>
+        <p:cNvPr id="1" name=""/>
+        <p:cNvGrpSpPr/>
+        <p:nvPr/>
+      </p:nvGrpSpPr>
+      <p:grpSpPr>
+        <a:xfrm>
+          <a:off x="0" y="0"/>
+          <a:ext cx="0" cy="0"/>
+          <a:chOff x="0" y="0"/>
+          <a:chExt cx="0" cy="0"/>
+        </a:xfrm>
+      </p:grpSpPr>
+      <p:pic>
+        <p:nvPicPr>
+          <p:cNvPr id="7170" name="Picture 2" descr="C:\Users\Roland\OneDrive\Documents\UML\projet\images\act_06.jpg"/>
+          <p:cNvPicPr>
+            <a:picLocks noChangeAspect="1" noChangeArrowheads="1"/>
+          </p:cNvPicPr>
+          <p:nvPr/>
+        </p:nvPicPr>
+        <p:blipFill>
+          <a:blip r:embed="rId3"/>
+          <a:srcRect/>
+          <a:stretch>
+            <a:fillRect/>
+          </a:stretch>
+        </p:blipFill>
+        <p:spPr bwMode="auto">
+          <a:xfrm>
+            <a:off x="111213" y="355599"/>
+            <a:ext cx="8887558" cy="5958703"/>
+          </a:xfrm>
+          <a:prstGeom prst="rect">
+            <a:avLst/>
+          </a:prstGeom>
+          <a:noFill/>
+        </p:spPr>
+      </p:pic>
+      <p:sp>
+        <p:nvSpPr>
+          <p:cNvPr id="3" name="Espace réservé du numéro de diapositive 2"/>
+          <p:cNvSpPr>
+            <a:spLocks noGrp="1"/>
+          </p:cNvSpPr>
+          <p:nvPr>
+            <p:ph type="sldNum" sz="quarter" idx="12"/>
+          </p:nvPr>
+        </p:nvSpPr>
+        <p:spPr/>
+        <p:txBody>
+          <a:bodyPr/>
+          <a:lstStyle/>
+          <a:p>
+            <a:fld id="{056C150D-5AB1-BF4C-BA4C-4507C4A10A88}" type="slidenum">
+              <a:rPr lang="fr-FR" smtClean="0"/>
+              <a:pPr/>
+              <a:t>11</a:t>
+            </a:fld>
+            <a:endParaRPr lang="fr-FR"/>
+          </a:p>
+        </p:txBody>
+      </p:sp>
+    </p:spTree>
+    <p:extLst>
+      <p:ext uri="{BB962C8B-B14F-4D97-AF65-F5344CB8AC3E}">
+        <p14:creationId xmlns="" xmlns:p14="http://schemas.microsoft.com/office/powerpoint/2010/main" val="1350776491"/>
+      </p:ext>
+    </p:extLst>
+  </p:cSld>
+  <p:clrMapOvr>
+    <a:masterClrMapping/>
+  </p:clrMapOvr>
+</p:sld>
+</file>
+
+<file path=ppt/slides/slide12.xml><?xml version="1.0" encoding="utf-8"?>
 <p:sld xmlns:a="http://schemas.openxmlformats.org/drawingml/2006/main" xmlns:r="http://schemas.openxmlformats.org/officeDocument/2006/relationships" xmlns:p="http://schemas.openxmlformats.org/presentationml/2006/main">
   <p:cSld>
     <p:spTree>
@@ -4610,10 +4857,34 @@
           </a:p>
         </p:txBody>
       </p:sp>
+      <p:sp>
+        <p:nvSpPr>
+          <p:cNvPr id="8" name="Espace réservé du numéro de diapositive 7"/>
+          <p:cNvSpPr>
+            <a:spLocks noGrp="1"/>
+          </p:cNvSpPr>
+          <p:nvPr>
+            <p:ph type="sldNum" sz="quarter" idx="12"/>
+          </p:nvPr>
+        </p:nvSpPr>
+        <p:spPr/>
+        <p:txBody>
+          <a:bodyPr/>
+          <a:lstStyle/>
+          <a:p>
+            <a:fld id="{056C150D-5AB1-BF4C-BA4C-4507C4A10A88}" type="slidenum">
+              <a:rPr lang="fr-FR" smtClean="0"/>
+              <a:pPr/>
+              <a:t>12</a:t>
+            </a:fld>
+            <a:endParaRPr lang="fr-FR"/>
+          </a:p>
+        </p:txBody>
+      </p:sp>
     </p:spTree>
     <p:extLst>
       <p:ext uri="{BB962C8B-B14F-4D97-AF65-F5344CB8AC3E}">
-        <p14:creationId xmlns:p14="http://schemas.microsoft.com/office/powerpoint/2010/main" val="1489246128"/>
+        <p14:creationId xmlns="" xmlns:p14="http://schemas.microsoft.com/office/powerpoint/2010/main" val="1489246128"/>
       </p:ext>
     </p:extLst>
   </p:cSld>
@@ -4623,7 +4894,7 @@
 </p:sld>
 </file>
 
-<file path=ppt/slides/slide12.xml><?xml version="1.0" encoding="utf-8"?>
+<file path=ppt/slides/slide13.xml><?xml version="1.0" encoding="utf-8"?>
 <p:sld xmlns:a="http://schemas.openxmlformats.org/drawingml/2006/main" xmlns:r="http://schemas.openxmlformats.org/officeDocument/2006/relationships" xmlns:p="http://schemas.openxmlformats.org/presentationml/2006/main">
   <p:cSld>
     <p:spTree>
@@ -4694,10 +4965,34 @@
           </a:p>
         </p:txBody>
       </p:sp>
+      <p:sp>
+        <p:nvSpPr>
+          <p:cNvPr id="6" name="Espace réservé du numéro de diapositive 5"/>
+          <p:cNvSpPr>
+            <a:spLocks noGrp="1"/>
+          </p:cNvSpPr>
+          <p:nvPr>
+            <p:ph type="sldNum" sz="quarter" idx="12"/>
+          </p:nvPr>
+        </p:nvSpPr>
+        <p:spPr/>
+        <p:txBody>
+          <a:bodyPr/>
+          <a:lstStyle/>
+          <a:p>
+            <a:fld id="{056C150D-5AB1-BF4C-BA4C-4507C4A10A88}" type="slidenum">
+              <a:rPr lang="fr-FR" smtClean="0"/>
+              <a:pPr/>
+              <a:t>13</a:t>
+            </a:fld>
+            <a:endParaRPr lang="fr-FR"/>
+          </a:p>
+        </p:txBody>
+      </p:sp>
     </p:spTree>
     <p:extLst>
       <p:ext uri="{BB962C8B-B14F-4D97-AF65-F5344CB8AC3E}">
-        <p14:creationId xmlns:p14="http://schemas.microsoft.com/office/powerpoint/2010/main" val="544936968"/>
+        <p14:creationId xmlns="" xmlns:p14="http://schemas.microsoft.com/office/powerpoint/2010/main" val="544936968"/>
       </p:ext>
     </p:extLst>
   </p:cSld>
@@ -4707,7 +5002,7 @@
 </p:sld>
 </file>
 
-<file path=ppt/slides/slide13.xml><?xml version="1.0" encoding="utf-8"?>
+<file path=ppt/slides/slide14.xml><?xml version="1.0" encoding="utf-8"?>
 <p:sld xmlns:a="http://schemas.openxmlformats.org/drawingml/2006/main" xmlns:r="http://schemas.openxmlformats.org/officeDocument/2006/relationships" xmlns:p="http://schemas.openxmlformats.org/presentationml/2006/main">
   <p:cSld>
     <p:spTree>
@@ -4748,10 +5043,34 @@
           </a:prstGeom>
         </p:spPr>
       </p:pic>
+      <p:sp>
+        <p:nvSpPr>
+          <p:cNvPr id="3" name="Espace réservé du numéro de diapositive 2"/>
+          <p:cNvSpPr>
+            <a:spLocks noGrp="1"/>
+          </p:cNvSpPr>
+          <p:nvPr>
+            <p:ph type="sldNum" sz="quarter" idx="12"/>
+          </p:nvPr>
+        </p:nvSpPr>
+        <p:spPr/>
+        <p:txBody>
+          <a:bodyPr/>
+          <a:lstStyle/>
+          <a:p>
+            <a:fld id="{056C150D-5AB1-BF4C-BA4C-4507C4A10A88}" type="slidenum">
+              <a:rPr lang="fr-FR" smtClean="0"/>
+              <a:pPr/>
+              <a:t>14</a:t>
+            </a:fld>
+            <a:endParaRPr lang="fr-FR"/>
+          </a:p>
+        </p:txBody>
+      </p:sp>
     </p:spTree>
     <p:extLst>
       <p:ext uri="{BB962C8B-B14F-4D97-AF65-F5344CB8AC3E}">
-        <p14:creationId xmlns:p14="http://schemas.microsoft.com/office/powerpoint/2010/main" val="2357765454"/>
+        <p14:creationId xmlns="" xmlns:p14="http://schemas.microsoft.com/office/powerpoint/2010/main" val="2357765454"/>
       </p:ext>
     </p:extLst>
   </p:cSld>
@@ -4761,7 +5080,7 @@
 </p:sld>
 </file>
 
-<file path=ppt/slides/slide14.xml><?xml version="1.0" encoding="utf-8"?>
+<file path=ppt/slides/slide15.xml><?xml version="1.0" encoding="utf-8"?>
 <p:sld xmlns:a="http://schemas.openxmlformats.org/drawingml/2006/main" xmlns:r="http://schemas.openxmlformats.org/officeDocument/2006/relationships" xmlns:p="http://schemas.openxmlformats.org/presentationml/2006/main">
   <p:cSld>
     <p:spTree>
@@ -4794,7 +5113,7 @@
         </p:blipFill>
         <p:spPr>
           <a:xfrm>
-            <a:off x="238016" y="0"/>
+            <a:off x="1745541" y="0"/>
             <a:ext cx="4969565" cy="6858000"/>
           </a:xfrm>
           <a:prstGeom prst="rect">
@@ -4802,10 +5121,34 @@
           </a:prstGeom>
         </p:spPr>
       </p:pic>
+      <p:sp>
+        <p:nvSpPr>
+          <p:cNvPr id="3" name="Espace réservé du numéro de diapositive 2"/>
+          <p:cNvSpPr>
+            <a:spLocks noGrp="1"/>
+          </p:cNvSpPr>
+          <p:nvPr>
+            <p:ph type="sldNum" sz="quarter" idx="12"/>
+          </p:nvPr>
+        </p:nvSpPr>
+        <p:spPr/>
+        <p:txBody>
+          <a:bodyPr/>
+          <a:lstStyle/>
+          <a:p>
+            <a:fld id="{056C150D-5AB1-BF4C-BA4C-4507C4A10A88}" type="slidenum">
+              <a:rPr lang="fr-FR" smtClean="0"/>
+              <a:pPr/>
+              <a:t>15</a:t>
+            </a:fld>
+            <a:endParaRPr lang="fr-FR"/>
+          </a:p>
+        </p:txBody>
+      </p:sp>
     </p:spTree>
     <p:extLst>
       <p:ext uri="{BB962C8B-B14F-4D97-AF65-F5344CB8AC3E}">
-        <p14:creationId xmlns:p14="http://schemas.microsoft.com/office/powerpoint/2010/main" val="3662248559"/>
+        <p14:creationId xmlns="" xmlns:p14="http://schemas.microsoft.com/office/powerpoint/2010/main" val="3662248559"/>
       </p:ext>
     </p:extLst>
   </p:cSld>
@@ -4815,7 +5158,7 @@
 </p:sld>
 </file>
 
-<file path=ppt/slides/slide15.xml><?xml version="1.0" encoding="utf-8"?>
+<file path=ppt/slides/slide16.xml><?xml version="1.0" encoding="utf-8"?>
 <p:sld xmlns:a="http://schemas.openxmlformats.org/drawingml/2006/main" xmlns:r="http://schemas.openxmlformats.org/officeDocument/2006/relationships" xmlns:p="http://schemas.openxmlformats.org/presentationml/2006/main">
   <p:cSld>
     <p:spTree>
@@ -4979,10 +5322,34 @@
           </a:p>
         </p:txBody>
       </p:sp>
+      <p:sp>
+        <p:nvSpPr>
+          <p:cNvPr id="4" name="Espace réservé du numéro de diapositive 3"/>
+          <p:cNvSpPr>
+            <a:spLocks noGrp="1"/>
+          </p:cNvSpPr>
+          <p:nvPr>
+            <p:ph type="sldNum" sz="quarter" idx="12"/>
+          </p:nvPr>
+        </p:nvSpPr>
+        <p:spPr/>
+        <p:txBody>
+          <a:bodyPr/>
+          <a:lstStyle/>
+          <a:p>
+            <a:fld id="{056C150D-5AB1-BF4C-BA4C-4507C4A10A88}" type="slidenum">
+              <a:rPr lang="fr-FR" smtClean="0"/>
+              <a:pPr/>
+              <a:t>16</a:t>
+            </a:fld>
+            <a:endParaRPr lang="fr-FR"/>
+          </a:p>
+        </p:txBody>
+      </p:sp>
     </p:spTree>
     <p:extLst>
       <p:ext uri="{BB962C8B-B14F-4D97-AF65-F5344CB8AC3E}">
-        <p14:creationId xmlns:p14="http://schemas.microsoft.com/office/powerpoint/2010/main" val="1245570766"/>
+        <p14:creationId xmlns="" xmlns:p14="http://schemas.microsoft.com/office/powerpoint/2010/main" val="1245570766"/>
       </p:ext>
     </p:extLst>
   </p:cSld>
@@ -5269,10 +5636,34 @@
           </a:p>
         </p:txBody>
       </p:sp>
+      <p:sp>
+        <p:nvSpPr>
+          <p:cNvPr id="14" name="Espace réservé du numéro de diapositive 13"/>
+          <p:cNvSpPr>
+            <a:spLocks noGrp="1"/>
+          </p:cNvSpPr>
+          <p:nvPr>
+            <p:ph type="sldNum" sz="quarter" idx="12"/>
+          </p:nvPr>
+        </p:nvSpPr>
+        <p:spPr/>
+        <p:txBody>
+          <a:bodyPr/>
+          <a:lstStyle/>
+          <a:p>
+            <a:fld id="{056C150D-5AB1-BF4C-BA4C-4507C4A10A88}" type="slidenum">
+              <a:rPr lang="fr-FR" smtClean="0"/>
+              <a:pPr/>
+              <a:t>2</a:t>
+            </a:fld>
+            <a:endParaRPr lang="fr-FR"/>
+          </a:p>
+        </p:txBody>
+      </p:sp>
     </p:spTree>
     <p:extLst>
       <p:ext uri="{BB962C8B-B14F-4D97-AF65-F5344CB8AC3E}">
-        <p14:creationId xmlns:p14="http://schemas.microsoft.com/office/powerpoint/2010/main" val="2863794209"/>
+        <p14:creationId xmlns="" xmlns:p14="http://schemas.microsoft.com/office/powerpoint/2010/main" val="2863794209"/>
       </p:ext>
     </p:extLst>
   </p:cSld>
@@ -5353,10 +5744,34 @@
           </a:p>
         </p:txBody>
       </p:sp>
+      <p:sp>
+        <p:nvSpPr>
+          <p:cNvPr id="6" name="Espace réservé du numéro de diapositive 5"/>
+          <p:cNvSpPr>
+            <a:spLocks noGrp="1"/>
+          </p:cNvSpPr>
+          <p:nvPr>
+            <p:ph type="sldNum" sz="quarter" idx="12"/>
+          </p:nvPr>
+        </p:nvSpPr>
+        <p:spPr/>
+        <p:txBody>
+          <a:bodyPr/>
+          <a:lstStyle/>
+          <a:p>
+            <a:fld id="{056C150D-5AB1-BF4C-BA4C-4507C4A10A88}" type="slidenum">
+              <a:rPr lang="fr-FR" smtClean="0"/>
+              <a:pPr/>
+              <a:t>3</a:t>
+            </a:fld>
+            <a:endParaRPr lang="fr-FR"/>
+          </a:p>
+        </p:txBody>
+      </p:sp>
     </p:spTree>
     <p:extLst>
       <p:ext uri="{BB962C8B-B14F-4D97-AF65-F5344CB8AC3E}">
-        <p14:creationId xmlns:p14="http://schemas.microsoft.com/office/powerpoint/2010/main" val="1477542642"/>
+        <p14:creationId xmlns="" xmlns:p14="http://schemas.microsoft.com/office/powerpoint/2010/main" val="1477542642"/>
       </p:ext>
     </p:extLst>
   </p:cSld>
@@ -5476,10 +5891,34 @@
           </a:p>
         </p:txBody>
       </p:sp>
+      <p:sp>
+        <p:nvSpPr>
+          <p:cNvPr id="6" name="Espace réservé du numéro de diapositive 5"/>
+          <p:cNvSpPr>
+            <a:spLocks noGrp="1"/>
+          </p:cNvSpPr>
+          <p:nvPr>
+            <p:ph type="sldNum" sz="quarter" idx="12"/>
+          </p:nvPr>
+        </p:nvSpPr>
+        <p:spPr/>
+        <p:txBody>
+          <a:bodyPr/>
+          <a:lstStyle/>
+          <a:p>
+            <a:fld id="{056C150D-5AB1-BF4C-BA4C-4507C4A10A88}" type="slidenum">
+              <a:rPr lang="fr-FR" smtClean="0"/>
+              <a:pPr/>
+              <a:t>4</a:t>
+            </a:fld>
+            <a:endParaRPr lang="fr-FR"/>
+          </a:p>
+        </p:txBody>
+      </p:sp>
     </p:spTree>
     <p:extLst>
       <p:ext uri="{BB962C8B-B14F-4D97-AF65-F5344CB8AC3E}">
-        <p14:creationId xmlns:p14="http://schemas.microsoft.com/office/powerpoint/2010/main" val="4294743629"/>
+        <p14:creationId xmlns="" xmlns:p14="http://schemas.microsoft.com/office/powerpoint/2010/main" val="4294743629"/>
       </p:ext>
     </p:extLst>
   </p:cSld>
@@ -5508,32 +5947,58 @@
       </p:grpSpPr>
       <p:pic>
         <p:nvPicPr>
-          <p:cNvPr id="5" name="Image 4"/>
+          <p:cNvPr id="1026" name="Picture 2" descr="C:\Users\Roland\OneDrive\Documents\UML\projet\images\act_01.jpg"/>
           <p:cNvPicPr>
-            <a:picLocks noChangeAspect="1"/>
+            <a:picLocks noChangeAspect="1" noChangeArrowheads="1"/>
           </p:cNvPicPr>
           <p:nvPr/>
         </p:nvPicPr>
         <p:blipFill>
           <a:blip r:embed="rId3"/>
+          <a:srcRect/>
           <a:stretch>
             <a:fillRect/>
           </a:stretch>
         </p:blipFill>
-        <p:spPr>
+        <p:spPr bwMode="auto">
           <a:xfrm>
-            <a:off x="1282700" y="0"/>
-            <a:ext cx="6564086" cy="6858000"/>
+            <a:off x="1307242" y="24714"/>
+            <a:ext cx="6381750" cy="6667501"/>
           </a:xfrm>
           <a:prstGeom prst="rect">
             <a:avLst/>
           </a:prstGeom>
+          <a:noFill/>
         </p:spPr>
       </p:pic>
+      <p:sp>
+        <p:nvSpPr>
+          <p:cNvPr id="3" name="Espace réservé du numéro de diapositive 2"/>
+          <p:cNvSpPr>
+            <a:spLocks noGrp="1"/>
+          </p:cNvSpPr>
+          <p:nvPr>
+            <p:ph type="sldNum" sz="quarter" idx="12"/>
+          </p:nvPr>
+        </p:nvSpPr>
+        <p:spPr/>
+        <p:txBody>
+          <a:bodyPr/>
+          <a:lstStyle/>
+          <a:p>
+            <a:fld id="{056C150D-5AB1-BF4C-BA4C-4507C4A10A88}" type="slidenum">
+              <a:rPr lang="fr-FR" smtClean="0"/>
+              <a:pPr/>
+              <a:t>5</a:t>
+            </a:fld>
+            <a:endParaRPr lang="fr-FR"/>
+          </a:p>
+        </p:txBody>
+      </p:sp>
     </p:spTree>
     <p:extLst>
       <p:ext uri="{BB962C8B-B14F-4D97-AF65-F5344CB8AC3E}">
-        <p14:creationId xmlns:p14="http://schemas.microsoft.com/office/powerpoint/2010/main" val="1860434472"/>
+        <p14:creationId xmlns="" xmlns:p14="http://schemas.microsoft.com/office/powerpoint/2010/main" val="1860434472"/>
       </p:ext>
     </p:extLst>
   </p:cSld>
@@ -5562,32 +6027,58 @@
       </p:grpSpPr>
       <p:pic>
         <p:nvPicPr>
-          <p:cNvPr id="5" name="Image 4"/>
+          <p:cNvPr id="2050" name="Picture 2" descr="C:\Users\Roland\OneDrive\Documents\UML\projet\images\act_02.jpg"/>
           <p:cNvPicPr>
-            <a:picLocks noChangeAspect="1"/>
+            <a:picLocks noChangeAspect="1" noChangeArrowheads="1"/>
           </p:cNvPicPr>
           <p:nvPr/>
         </p:nvPicPr>
         <p:blipFill>
           <a:blip r:embed="rId3"/>
+          <a:srcRect/>
           <a:stretch>
             <a:fillRect/>
           </a:stretch>
         </p:blipFill>
-        <p:spPr>
+        <p:spPr bwMode="auto">
           <a:xfrm>
-            <a:off x="444500" y="0"/>
-            <a:ext cx="8245011" cy="6858000"/>
+            <a:off x="872826" y="204356"/>
+            <a:ext cx="7999326" cy="6653644"/>
           </a:xfrm>
           <a:prstGeom prst="rect">
             <a:avLst/>
           </a:prstGeom>
+          <a:noFill/>
         </p:spPr>
       </p:pic>
+      <p:sp>
+        <p:nvSpPr>
+          <p:cNvPr id="3" name="Espace réservé du numéro de diapositive 2"/>
+          <p:cNvSpPr>
+            <a:spLocks noGrp="1"/>
+          </p:cNvSpPr>
+          <p:nvPr>
+            <p:ph type="sldNum" sz="quarter" idx="12"/>
+          </p:nvPr>
+        </p:nvSpPr>
+        <p:spPr/>
+        <p:txBody>
+          <a:bodyPr/>
+          <a:lstStyle/>
+          <a:p>
+            <a:fld id="{056C150D-5AB1-BF4C-BA4C-4507C4A10A88}" type="slidenum">
+              <a:rPr lang="fr-FR" smtClean="0"/>
+              <a:pPr/>
+              <a:t>6</a:t>
+            </a:fld>
+            <a:endParaRPr lang="fr-FR"/>
+          </a:p>
+        </p:txBody>
+      </p:sp>
     </p:spTree>
     <p:extLst>
       <p:ext uri="{BB962C8B-B14F-4D97-AF65-F5344CB8AC3E}">
-        <p14:creationId xmlns:p14="http://schemas.microsoft.com/office/powerpoint/2010/main" val="18865076"/>
+        <p14:creationId xmlns="" xmlns:p14="http://schemas.microsoft.com/office/powerpoint/2010/main" val="18865076"/>
       </p:ext>
     </p:extLst>
   </p:cSld>
@@ -5616,34 +6107,55 @@
       </p:grpSpPr>
       <p:pic>
         <p:nvPicPr>
-          <p:cNvPr id="5" name="Image 4"/>
+          <p:cNvPr id="3074" name="Picture 2" descr="C:\Users\Roland\OneDrive\Documents\UML\projet\images\act_02_suppr.jpg"/>
           <p:cNvPicPr>
-            <a:picLocks noChangeAspect="1"/>
+            <a:picLocks noChangeAspect="1" noChangeArrowheads="1"/>
           </p:cNvPicPr>
           <p:nvPr/>
         </p:nvPicPr>
         <p:blipFill>
           <a:blip r:embed="rId3"/>
+          <a:srcRect/>
           <a:stretch>
             <a:fillRect/>
           </a:stretch>
         </p:blipFill>
-        <p:spPr>
+        <p:spPr bwMode="auto">
           <a:xfrm>
-            <a:off x="1143000" y="0"/>
-            <a:ext cx="6858000" cy="6858000"/>
+            <a:off x="708411" y="0"/>
+            <a:ext cx="7780752" cy="6669216"/>
           </a:xfrm>
           <a:prstGeom prst="rect">
             <a:avLst/>
           </a:prstGeom>
+          <a:noFill/>
         </p:spPr>
       </p:pic>
+      <p:sp>
+        <p:nvSpPr>
+          <p:cNvPr id="3" name="Espace réservé du numéro de diapositive 2"/>
+          <p:cNvSpPr>
+            <a:spLocks noGrp="1"/>
+          </p:cNvSpPr>
+          <p:nvPr>
+            <p:ph type="sldNum" sz="quarter" idx="12"/>
+          </p:nvPr>
+        </p:nvSpPr>
+        <p:spPr/>
+        <p:txBody>
+          <a:bodyPr/>
+          <a:lstStyle/>
+          <a:p>
+            <a:fld id="{056C150D-5AB1-BF4C-BA4C-4507C4A10A88}" type="slidenum">
+              <a:rPr lang="fr-FR" smtClean="0"/>
+              <a:pPr/>
+              <a:t>7</a:t>
+            </a:fld>
+            <a:endParaRPr lang="fr-FR"/>
+          </a:p>
+        </p:txBody>
+      </p:sp>
     </p:spTree>
-    <p:extLst>
-      <p:ext uri="{BB962C8B-B14F-4D97-AF65-F5344CB8AC3E}">
-        <p14:creationId xmlns:p14="http://schemas.microsoft.com/office/powerpoint/2010/main" val="60746263"/>
-      </p:ext>
-    </p:extLst>
   </p:cSld>
   <p:clrMapOvr>
     <a:masterClrMapping/>
@@ -5670,32 +6182,58 @@
       </p:grpSpPr>
       <p:pic>
         <p:nvPicPr>
-          <p:cNvPr id="6" name="Image 5"/>
+          <p:cNvPr id="4098" name="Picture 2" descr="C:\Users\Roland\OneDrive\Documents\UML\projet\images\act_03.jpg"/>
           <p:cNvPicPr>
-            <a:picLocks noChangeAspect="1"/>
+            <a:picLocks noChangeAspect="1" noChangeArrowheads="1"/>
           </p:cNvPicPr>
           <p:nvPr/>
         </p:nvPicPr>
         <p:blipFill>
           <a:blip r:embed="rId3"/>
+          <a:srcRect/>
           <a:stretch>
             <a:fillRect/>
           </a:stretch>
         </p:blipFill>
-        <p:spPr>
+        <p:spPr bwMode="auto">
           <a:xfrm>
-            <a:off x="596900" y="0"/>
-            <a:ext cx="7946571" cy="6858000"/>
+            <a:off x="1304753" y="0"/>
+            <a:ext cx="6858000" cy="6858000"/>
           </a:xfrm>
           <a:prstGeom prst="rect">
             <a:avLst/>
           </a:prstGeom>
+          <a:noFill/>
         </p:spPr>
       </p:pic>
+      <p:sp>
+        <p:nvSpPr>
+          <p:cNvPr id="3" name="Espace réservé du numéro de diapositive 2"/>
+          <p:cNvSpPr>
+            <a:spLocks noGrp="1"/>
+          </p:cNvSpPr>
+          <p:nvPr>
+            <p:ph type="sldNum" sz="quarter" idx="12"/>
+          </p:nvPr>
+        </p:nvSpPr>
+        <p:spPr/>
+        <p:txBody>
+          <a:bodyPr/>
+          <a:lstStyle/>
+          <a:p>
+            <a:fld id="{056C150D-5AB1-BF4C-BA4C-4507C4A10A88}" type="slidenum">
+              <a:rPr lang="fr-FR" smtClean="0"/>
+              <a:pPr/>
+              <a:t>8</a:t>
+            </a:fld>
+            <a:endParaRPr lang="fr-FR"/>
+          </a:p>
+        </p:txBody>
+      </p:sp>
     </p:spTree>
     <p:extLst>
       <p:ext uri="{BB962C8B-B14F-4D97-AF65-F5344CB8AC3E}">
-        <p14:creationId xmlns:p14="http://schemas.microsoft.com/office/powerpoint/2010/main" val="651747830"/>
+        <p14:creationId xmlns="" xmlns:p14="http://schemas.microsoft.com/office/powerpoint/2010/main" val="60746263"/>
       </p:ext>
     </p:extLst>
   </p:cSld>
@@ -5724,32 +6262,58 @@
       </p:grpSpPr>
       <p:pic>
         <p:nvPicPr>
-          <p:cNvPr id="5" name="Image 4"/>
+          <p:cNvPr id="5122" name="Picture 2" descr="C:\Users\Roland\OneDrive\Documents\UML\projet\images\act_04.jpg"/>
           <p:cNvPicPr>
-            <a:picLocks noChangeAspect="1"/>
+            <a:picLocks noChangeAspect="1" noChangeArrowheads="1"/>
           </p:cNvPicPr>
           <p:nvPr/>
         </p:nvPicPr>
         <p:blipFill>
           <a:blip r:embed="rId3"/>
+          <a:srcRect/>
           <a:stretch>
             <a:fillRect/>
           </a:stretch>
         </p:blipFill>
-        <p:spPr>
+        <p:spPr bwMode="auto">
           <a:xfrm>
-            <a:off x="190500" y="254000"/>
-            <a:ext cx="8763000" cy="6350000"/>
+            <a:off x="687302" y="0"/>
+            <a:ext cx="7760436" cy="6697362"/>
           </a:xfrm>
           <a:prstGeom prst="rect">
             <a:avLst/>
           </a:prstGeom>
+          <a:noFill/>
         </p:spPr>
       </p:pic>
+      <p:sp>
+        <p:nvSpPr>
+          <p:cNvPr id="3" name="Espace réservé du numéro de diapositive 2"/>
+          <p:cNvSpPr>
+            <a:spLocks noGrp="1"/>
+          </p:cNvSpPr>
+          <p:nvPr>
+            <p:ph type="sldNum" sz="quarter" idx="12"/>
+          </p:nvPr>
+        </p:nvSpPr>
+        <p:spPr/>
+        <p:txBody>
+          <a:bodyPr/>
+          <a:lstStyle/>
+          <a:p>
+            <a:fld id="{056C150D-5AB1-BF4C-BA4C-4507C4A10A88}" type="slidenum">
+              <a:rPr lang="fr-FR" smtClean="0"/>
+              <a:pPr/>
+              <a:t>9</a:t>
+            </a:fld>
+            <a:endParaRPr lang="fr-FR"/>
+          </a:p>
+        </p:txBody>
+      </p:sp>
     </p:spTree>
     <p:extLst>
       <p:ext uri="{BB962C8B-B14F-4D97-AF65-F5344CB8AC3E}">
-        <p14:creationId xmlns:p14="http://schemas.microsoft.com/office/powerpoint/2010/main" val="1867404109"/>
+        <p14:creationId xmlns="" xmlns:p14="http://schemas.microsoft.com/office/powerpoint/2010/main" val="651747830"/>
       </p:ext>
     </p:extLst>
   </p:cSld>
